--- a/Group 7.1 - Slide.pptx
+++ b/Group 7.1 - Slide.pptx
@@ -6,22 +6,23 @@
     <p:sldMasterId id="2147483663" r:id="rId2"/>
   </p:sldMasterIdLst>
   <p:notesMasterIdLst>
-    <p:notesMasterId r:id="rId13"/>
+    <p:notesMasterId r:id="rId14"/>
   </p:notesMasterIdLst>
   <p:handoutMasterIdLst>
-    <p:handoutMasterId r:id="rId14"/>
+    <p:handoutMasterId r:id="rId15"/>
   </p:handoutMasterIdLst>
   <p:sldIdLst>
     <p:sldId id="256" r:id="rId3"/>
     <p:sldId id="328" r:id="rId4"/>
-    <p:sldId id="329" r:id="rId5"/>
-    <p:sldId id="331" r:id="rId6"/>
-    <p:sldId id="333" r:id="rId7"/>
-    <p:sldId id="334" r:id="rId8"/>
-    <p:sldId id="332" r:id="rId9"/>
-    <p:sldId id="335" r:id="rId10"/>
-    <p:sldId id="336" r:id="rId11"/>
-    <p:sldId id="343" r:id="rId12"/>
+    <p:sldId id="344" r:id="rId5"/>
+    <p:sldId id="329" r:id="rId6"/>
+    <p:sldId id="331" r:id="rId7"/>
+    <p:sldId id="333" r:id="rId8"/>
+    <p:sldId id="334" r:id="rId9"/>
+    <p:sldId id="332" r:id="rId10"/>
+    <p:sldId id="335" r:id="rId11"/>
+    <p:sldId id="336" r:id="rId12"/>
+    <p:sldId id="343" r:id="rId13"/>
   </p:sldIdLst>
   <p:sldSz cx="9144000" cy="6858000" type="screen4x3"/>
   <p:notesSz cx="7315200" cy="9601200"/>
@@ -127,6 +128,7 @@
           <p14:sldIdLst>
             <p14:sldId id="256"/>
             <p14:sldId id="328"/>
+            <p14:sldId id="344"/>
             <p14:sldId id="329"/>
             <p14:sldId id="331"/>
             <p14:sldId id="333"/>
@@ -1245,7 +1247,7 @@
     </p:spTree>
     <p:extLst>
       <p:ext uri="{BB962C8B-B14F-4D97-AF65-F5344CB8AC3E}">
-        <p14:creationId xmlns:p14="http://schemas.microsoft.com/office/powerpoint/2010/main" val="2607777009"/>
+        <p14:creationId xmlns:p14="http://schemas.microsoft.com/office/powerpoint/2010/main" val="1567042520"/>
       </p:ext>
     </p:extLst>
   </p:cSld>
@@ -1396,7 +1398,7 @@
     </p:spTree>
     <p:extLst>
       <p:ext uri="{BB962C8B-B14F-4D97-AF65-F5344CB8AC3E}">
-        <p14:creationId xmlns:p14="http://schemas.microsoft.com/office/powerpoint/2010/main" val="811566862"/>
+        <p14:creationId xmlns:p14="http://schemas.microsoft.com/office/powerpoint/2010/main" val="2607777009"/>
       </p:ext>
     </p:extLst>
   </p:cSld>
@@ -1547,7 +1549,7 @@
     </p:spTree>
     <p:extLst>
       <p:ext uri="{BB962C8B-B14F-4D97-AF65-F5344CB8AC3E}">
-        <p14:creationId xmlns:p14="http://schemas.microsoft.com/office/powerpoint/2010/main" val="2666853340"/>
+        <p14:creationId xmlns:p14="http://schemas.microsoft.com/office/powerpoint/2010/main" val="811566862"/>
       </p:ext>
     </p:extLst>
   </p:cSld>
@@ -1698,7 +1700,7 @@
     </p:spTree>
     <p:extLst>
       <p:ext uri="{BB962C8B-B14F-4D97-AF65-F5344CB8AC3E}">
-        <p14:creationId xmlns:p14="http://schemas.microsoft.com/office/powerpoint/2010/main" val="4076211702"/>
+        <p14:creationId xmlns:p14="http://schemas.microsoft.com/office/powerpoint/2010/main" val="2666853340"/>
       </p:ext>
     </p:extLst>
   </p:cSld>
@@ -1849,7 +1851,7 @@
     </p:spTree>
     <p:extLst>
       <p:ext uri="{BB962C8B-B14F-4D97-AF65-F5344CB8AC3E}">
-        <p14:creationId xmlns:p14="http://schemas.microsoft.com/office/powerpoint/2010/main" val="2213508506"/>
+        <p14:creationId xmlns:p14="http://schemas.microsoft.com/office/powerpoint/2010/main" val="4076211702"/>
       </p:ext>
     </p:extLst>
   </p:cSld>
@@ -1991,7 +1993,7 @@
             <a:fld id="{8FEAD6D3-E3A6-4306-A906-2CB27FEAA95E}" type="slidenum">
               <a:rPr lang="en-US" smtClean="0"/>
               <a:pPr/>
-              <a:t>9</a:t>
+              <a:t>8</a:t>
             </a:fld>
             <a:endParaRPr lang="en-US"/>
           </a:p>
@@ -2000,7 +2002,7 @@
     </p:spTree>
     <p:extLst>
       <p:ext uri="{BB962C8B-B14F-4D97-AF65-F5344CB8AC3E}">
-        <p14:creationId xmlns:p14="http://schemas.microsoft.com/office/powerpoint/2010/main" val="932630976"/>
+        <p14:creationId xmlns:p14="http://schemas.microsoft.com/office/powerpoint/2010/main" val="2213508506"/>
       </p:ext>
     </p:extLst>
   </p:cSld>
@@ -2029,7 +2031,7 @@
       </p:grpSpPr>
       <p:sp>
         <p:nvSpPr>
-          <p:cNvPr id="2" name="Slide Image Placeholder 1"/>
+          <p:cNvPr id="2" name="Chỗ dành sẵn cho Hình ảnh của Bản chiếu 1"/>
           <p:cNvSpPr>
             <a:spLocks noGrp="1" noRot="1" noChangeAspect="1"/>
           </p:cNvSpPr>
@@ -2041,7 +2043,7 @@
       </p:sp>
       <p:sp>
         <p:nvSpPr>
-          <p:cNvPr id="3" name="Notes Placeholder 2"/>
+          <p:cNvPr id="3" name="Chỗ dành sẵn cho Ghi chú 2"/>
           <p:cNvSpPr>
             <a:spLocks noGrp="1"/>
           </p:cNvSpPr>
@@ -2060,12 +2062,12 @@
       </p:sp>
       <p:sp>
         <p:nvSpPr>
-          <p:cNvPr id="4" name="Header Placeholder 3"/>
-          <p:cNvSpPr>
-            <a:spLocks noGrp="1"/>
-          </p:cNvSpPr>
-          <p:nvPr>
-            <p:ph type="hdr" sz="quarter" idx="10"/>
+          <p:cNvPr id="4" name="Chỗ dành sẵn cho Đầu trang 3"/>
+          <p:cNvSpPr>
+            <a:spLocks noGrp="1"/>
+          </p:cNvSpPr>
+          <p:nvPr>
+            <p:ph type="hdr" sz="quarter"/>
           </p:nvPr>
         </p:nvSpPr>
         <p:spPr/>
@@ -2075,19 +2077,19 @@
           <a:p>
             <a:r>
               <a:rPr lang="en-US"/>
-              <a:t>IT2000 – Thực hành Nhập môn CNTT-TT</a:t>
-            </a:r>
-          </a:p>
-        </p:txBody>
-      </p:sp>
-      <p:sp>
-        <p:nvSpPr>
-          <p:cNvPr id="5" name="Date Placeholder 4"/>
-          <p:cNvSpPr>
-            <a:spLocks noGrp="1"/>
-          </p:cNvSpPr>
-          <p:nvPr>
-            <p:ph type="dt" idx="11"/>
+              <a:t>Tin đại cương – Tin học văn phòng</a:t>
+            </a:r>
+          </a:p>
+        </p:txBody>
+      </p:sp>
+      <p:sp>
+        <p:nvSpPr>
+          <p:cNvPr id="5" name="Chỗ dành sẵn cho Ngày tháng 4"/>
+          <p:cNvSpPr>
+            <a:spLocks noGrp="1"/>
+          </p:cNvSpPr>
+          <p:nvPr>
+            <p:ph type="dt" idx="1"/>
           </p:nvPr>
         </p:nvSpPr>
         <p:spPr/>
@@ -2096,21 +2098,20 @@
           <a:lstStyle/>
           <a:p>
             <a:r>
-              <a:rPr lang="vi-VN"/>
-              <a:t>2020</a:t>
-            </a:r>
-            <a:endParaRPr lang="en-US"/>
-          </a:p>
-        </p:txBody>
-      </p:sp>
-      <p:sp>
-        <p:nvSpPr>
-          <p:cNvPr id="6" name="Footer Placeholder 5"/>
-          <p:cNvSpPr>
-            <a:spLocks noGrp="1"/>
-          </p:cNvSpPr>
-          <p:nvPr>
-            <p:ph type="ftr" sz="quarter" idx="12"/>
+              <a:rPr lang="en-US"/>
+              <a:t>2018</a:t>
+            </a:r>
+          </a:p>
+        </p:txBody>
+      </p:sp>
+      <p:sp>
+        <p:nvSpPr>
+          <p:cNvPr id="6" name="Chỗ dành sẵn cho Chân trang 5"/>
+          <p:cNvSpPr>
+            <a:spLocks noGrp="1"/>
+          </p:cNvSpPr>
+          <p:nvPr>
+            <p:ph type="ftr" sz="quarter" idx="4"/>
           </p:nvPr>
         </p:nvSpPr>
         <p:spPr/>
@@ -2127,12 +2128,12 @@
       </p:sp>
       <p:sp>
         <p:nvSpPr>
-          <p:cNvPr id="7" name="Slide Number Placeholder 6"/>
-          <p:cNvSpPr>
-            <a:spLocks noGrp="1"/>
-          </p:cNvSpPr>
-          <p:nvPr>
-            <p:ph type="sldNum" sz="quarter" idx="13"/>
+          <p:cNvPr id="7" name="Chỗ dành sẵn cho Số hiệu Bản chiếu 6"/>
+          <p:cNvSpPr>
+            <a:spLocks noGrp="1"/>
+          </p:cNvSpPr>
+          <p:nvPr>
+            <p:ph type="sldNum" sz="quarter" idx="5"/>
           </p:nvPr>
         </p:nvSpPr>
         <p:spPr/>
@@ -2144,6 +2145,158 @@
               <a:rPr lang="en-US" smtClean="0"/>
               <a:pPr/>
               <a:t>10</a:t>
+            </a:fld>
+            <a:endParaRPr lang="en-US"/>
+          </a:p>
+        </p:txBody>
+      </p:sp>
+    </p:spTree>
+    <p:extLst>
+      <p:ext uri="{BB962C8B-B14F-4D97-AF65-F5344CB8AC3E}">
+        <p14:creationId xmlns:p14="http://schemas.microsoft.com/office/powerpoint/2010/main" val="932630976"/>
+      </p:ext>
+    </p:extLst>
+  </p:cSld>
+  <p:clrMapOvr>
+    <a:masterClrMapping/>
+  </p:clrMapOvr>
+</p:notes>
+</file>
+
+<file path=ppt/notesSlides/notesSlide9.xml><?xml version="1.0" encoding="utf-8"?>
+<p:notes xmlns:a="http://schemas.openxmlformats.org/drawingml/2006/main" xmlns:r="http://schemas.openxmlformats.org/officeDocument/2006/relationships" xmlns:p="http://schemas.openxmlformats.org/presentationml/2006/main">
+  <p:cSld>
+    <p:spTree>
+      <p:nvGrpSpPr>
+        <p:cNvPr id="1" name=""/>
+        <p:cNvGrpSpPr/>
+        <p:nvPr/>
+      </p:nvGrpSpPr>
+      <p:grpSpPr>
+        <a:xfrm>
+          <a:off x="0" y="0"/>
+          <a:ext cx="0" cy="0"/>
+          <a:chOff x="0" y="0"/>
+          <a:chExt cx="0" cy="0"/>
+        </a:xfrm>
+      </p:grpSpPr>
+      <p:sp>
+        <p:nvSpPr>
+          <p:cNvPr id="2" name="Slide Image Placeholder 1"/>
+          <p:cNvSpPr>
+            <a:spLocks noGrp="1" noRot="1" noChangeAspect="1"/>
+          </p:cNvSpPr>
+          <p:nvPr>
+            <p:ph type="sldImg"/>
+          </p:nvPr>
+        </p:nvSpPr>
+        <p:spPr/>
+      </p:sp>
+      <p:sp>
+        <p:nvSpPr>
+          <p:cNvPr id="3" name="Notes Placeholder 2"/>
+          <p:cNvSpPr>
+            <a:spLocks noGrp="1"/>
+          </p:cNvSpPr>
+          <p:nvPr>
+            <p:ph type="body" idx="1"/>
+          </p:nvPr>
+        </p:nvSpPr>
+        <p:spPr/>
+        <p:txBody>
+          <a:bodyPr/>
+          <a:lstStyle/>
+          <a:p>
+            <a:endParaRPr lang="vi-VN" dirty="0"/>
+          </a:p>
+        </p:txBody>
+      </p:sp>
+      <p:sp>
+        <p:nvSpPr>
+          <p:cNvPr id="4" name="Header Placeholder 3"/>
+          <p:cNvSpPr>
+            <a:spLocks noGrp="1"/>
+          </p:cNvSpPr>
+          <p:nvPr>
+            <p:ph type="hdr" sz="quarter" idx="10"/>
+          </p:nvPr>
+        </p:nvSpPr>
+        <p:spPr/>
+        <p:txBody>
+          <a:bodyPr/>
+          <a:lstStyle/>
+          <a:p>
+            <a:r>
+              <a:rPr lang="en-US"/>
+              <a:t>IT2000 – Thực hành Nhập môn CNTT-TT</a:t>
+            </a:r>
+          </a:p>
+        </p:txBody>
+      </p:sp>
+      <p:sp>
+        <p:nvSpPr>
+          <p:cNvPr id="5" name="Date Placeholder 4"/>
+          <p:cNvSpPr>
+            <a:spLocks noGrp="1"/>
+          </p:cNvSpPr>
+          <p:nvPr>
+            <p:ph type="dt" idx="11"/>
+          </p:nvPr>
+        </p:nvSpPr>
+        <p:spPr/>
+        <p:txBody>
+          <a:bodyPr/>
+          <a:lstStyle/>
+          <a:p>
+            <a:r>
+              <a:rPr lang="vi-VN"/>
+              <a:t>2020</a:t>
+            </a:r>
+            <a:endParaRPr lang="en-US"/>
+          </a:p>
+        </p:txBody>
+      </p:sp>
+      <p:sp>
+        <p:nvSpPr>
+          <p:cNvPr id="6" name="Footer Placeholder 5"/>
+          <p:cNvSpPr>
+            <a:spLocks noGrp="1"/>
+          </p:cNvSpPr>
+          <p:nvPr>
+            <p:ph type="ftr" sz="quarter" idx="12"/>
+          </p:nvPr>
+        </p:nvSpPr>
+        <p:spPr/>
+        <p:txBody>
+          <a:bodyPr/>
+          <a:lstStyle/>
+          <a:p>
+            <a:r>
+              <a:rPr lang="en-US"/>
+              <a:t>soict.hust.edu.vn</a:t>
+            </a:r>
+          </a:p>
+        </p:txBody>
+      </p:sp>
+      <p:sp>
+        <p:nvSpPr>
+          <p:cNvPr id="7" name="Slide Number Placeholder 6"/>
+          <p:cNvSpPr>
+            <a:spLocks noGrp="1"/>
+          </p:cNvSpPr>
+          <p:nvPr>
+            <p:ph type="sldNum" sz="quarter" idx="13"/>
+          </p:nvPr>
+        </p:nvSpPr>
+        <p:spPr/>
+        <p:txBody>
+          <a:bodyPr/>
+          <a:lstStyle/>
+          <a:p>
+            <a:fld id="{8FEAD6D3-E3A6-4306-A906-2CB27FEAA95E}" type="slidenum">
+              <a:rPr lang="en-US" smtClean="0"/>
+              <a:pPr/>
+              <a:t>11</a:t>
             </a:fld>
             <a:endParaRPr lang="en-US"/>
           </a:p>
@@ -2638,7 +2791,7 @@
           <a:p>
             <a:fld id="{E19B04F7-934C-4470-8D70-F5137CE3CE7A}" type="datetimeFigureOut">
               <a:rPr lang="vi-VN" smtClean="0"/>
-              <a:t>24-Thg12-20</a:t>
+              <a:t>25-Thg12-20</a:t>
             </a:fld>
             <a:endParaRPr lang="vi-VN"/>
           </a:p>
@@ -3050,7 +3203,7 @@
           <a:p>
             <a:fld id="{E19B04F7-934C-4470-8D70-F5137CE3CE7A}" type="datetimeFigureOut">
               <a:rPr lang="vi-VN" smtClean="0"/>
-              <a:t>24-Thg12-20</a:t>
+              <a:t>25-Thg12-20</a:t>
             </a:fld>
             <a:endParaRPr lang="vi-VN"/>
           </a:p>
@@ -3191,7 +3344,7 @@
           <a:p>
             <a:fld id="{E19B04F7-934C-4470-8D70-F5137CE3CE7A}" type="datetimeFigureOut">
               <a:rPr lang="vi-VN" smtClean="0"/>
-              <a:t>24-Thg12-20</a:t>
+              <a:t>25-Thg12-20</a:t>
             </a:fld>
             <a:endParaRPr lang="vi-VN"/>
           </a:p>
@@ -3304,7 +3457,7 @@
           <a:p>
             <a:fld id="{E19B04F7-934C-4470-8D70-F5137CE3CE7A}" type="datetimeFigureOut">
               <a:rPr lang="vi-VN" smtClean="0"/>
-              <a:t>24-Thg12-20</a:t>
+              <a:t>25-Thg12-20</a:t>
             </a:fld>
             <a:endParaRPr lang="vi-VN"/>
           </a:p>
@@ -3615,7 +3768,7 @@
           <a:p>
             <a:fld id="{E19B04F7-934C-4470-8D70-F5137CE3CE7A}" type="datetimeFigureOut">
               <a:rPr lang="vi-VN" smtClean="0"/>
-              <a:t>24-Thg12-20</a:t>
+              <a:t>25-Thg12-20</a:t>
             </a:fld>
             <a:endParaRPr lang="vi-VN"/>
           </a:p>
@@ -3903,7 +4056,7 @@
           <a:p>
             <a:fld id="{E19B04F7-934C-4470-8D70-F5137CE3CE7A}" type="datetimeFigureOut">
               <a:rPr lang="vi-VN" smtClean="0"/>
-              <a:t>24-Thg12-20</a:t>
+              <a:t>25-Thg12-20</a:t>
             </a:fld>
             <a:endParaRPr lang="vi-VN"/>
           </a:p>
@@ -4101,7 +4254,7 @@
           <a:p>
             <a:fld id="{E19B04F7-934C-4470-8D70-F5137CE3CE7A}" type="datetimeFigureOut">
               <a:rPr lang="vi-VN" smtClean="0"/>
-              <a:t>24-Thg12-20</a:t>
+              <a:t>25-Thg12-20</a:t>
             </a:fld>
             <a:endParaRPr lang="vi-VN"/>
           </a:p>
@@ -4309,7 +4462,7 @@
           <a:p>
             <a:fld id="{E19B04F7-934C-4470-8D70-F5137CE3CE7A}" type="datetimeFigureOut">
               <a:rPr lang="vi-VN" smtClean="0"/>
-              <a:t>24-Thg12-20</a:t>
+              <a:t>25-Thg12-20</a:t>
             </a:fld>
             <a:endParaRPr lang="vi-VN"/>
           </a:p>
@@ -6431,7 +6584,7 @@
           <a:p>
             <a:fld id="{E19B04F7-934C-4470-8D70-F5137CE3CE7A}" type="datetimeFigureOut">
               <a:rPr lang="vi-VN" smtClean="0"/>
-              <a:t>24-Thg12-20</a:t>
+              <a:t>25-Thg12-20</a:t>
             </a:fld>
             <a:endParaRPr lang="vi-VN"/>
           </a:p>
@@ -6706,7 +6859,7 @@
           <a:p>
             <a:fld id="{E19B04F7-934C-4470-8D70-F5137CE3CE7A}" type="datetimeFigureOut">
               <a:rPr lang="vi-VN" smtClean="0"/>
-              <a:t>24-Thg12-20</a:t>
+              <a:t>25-Thg12-20</a:t>
             </a:fld>
             <a:endParaRPr lang="vi-VN"/>
           </a:p>
@@ -7474,7 +7627,7 @@
           <a:p>
             <a:fld id="{E19B04F7-934C-4470-8D70-F5137CE3CE7A}" type="datetimeFigureOut">
               <a:rPr lang="vi-VN" smtClean="0"/>
-              <a:t>24-Thg12-20</a:t>
+              <a:t>25-Thg12-20</a:t>
             </a:fld>
             <a:endParaRPr lang="vi-VN"/>
           </a:p>
@@ -8660,6 +8813,286 @@
       </p:grpSpPr>
       <p:sp>
         <p:nvSpPr>
+          <p:cNvPr id="2" name="Tiêu đề 1">
+            <a:extLst>
+              <a:ext uri="{FF2B5EF4-FFF2-40B4-BE49-F238E27FC236}">
+                <a16:creationId xmlns:a16="http://schemas.microsoft.com/office/drawing/2014/main" id="{884E1D52-726C-4C80-84A8-E42D38D2F604}"/>
+              </a:ext>
+            </a:extLst>
+          </p:cNvPr>
+          <p:cNvSpPr>
+            <a:spLocks noGrp="1"/>
+          </p:cNvSpPr>
+          <p:nvPr>
+            <p:ph type="title"/>
+          </p:nvPr>
+        </p:nvSpPr>
+        <p:spPr/>
+        <p:txBody>
+          <a:bodyPr/>
+          <a:lstStyle/>
+          <a:p>
+            <a:r>
+              <a:rPr lang="vi-VN" dirty="0"/>
+              <a:t>Cơ </a:t>
+            </a:r>
+            <a:r>
+              <a:rPr lang="vi-VN" dirty="0" err="1"/>
+              <a:t>sở</a:t>
+            </a:r>
+            <a:r>
+              <a:rPr lang="vi-VN" dirty="0"/>
+              <a:t> </a:t>
+            </a:r>
+            <a:r>
+              <a:rPr lang="vi-VN" dirty="0" err="1"/>
+              <a:t>dữ</a:t>
+            </a:r>
+            <a:r>
+              <a:rPr lang="vi-VN" dirty="0"/>
+              <a:t> </a:t>
+            </a:r>
+            <a:r>
+              <a:rPr lang="vi-VN" dirty="0" err="1"/>
+              <a:t>liệu</a:t>
+            </a:r>
+            <a:endParaRPr lang="vi-VN" dirty="0"/>
+          </a:p>
+        </p:txBody>
+      </p:sp>
+      <p:sp>
+        <p:nvSpPr>
+          <p:cNvPr id="4" name="Chỗ dành sẵn cho Ngày tháng 3">
+            <a:extLst>
+              <a:ext uri="{FF2B5EF4-FFF2-40B4-BE49-F238E27FC236}">
+                <a16:creationId xmlns:a16="http://schemas.microsoft.com/office/drawing/2014/main" id="{8D7414FC-470A-4ADC-9C2F-C5BD96AC16B9}"/>
+              </a:ext>
+            </a:extLst>
+          </p:cNvPr>
+          <p:cNvSpPr>
+            <a:spLocks noGrp="1"/>
+          </p:cNvSpPr>
+          <p:nvPr>
+            <p:ph type="dt" sz="half" idx="10"/>
+          </p:nvPr>
+        </p:nvSpPr>
+        <p:spPr/>
+        <p:txBody>
+          <a:bodyPr/>
+          <a:lstStyle/>
+          <a:p>
+            <a:r>
+              <a:rPr lang="en-US"/>
+              <a:t>© SoICT 2020</a:t>
+            </a:r>
+            <a:endParaRPr lang="en-US" dirty="0"/>
+          </a:p>
+        </p:txBody>
+      </p:sp>
+      <p:sp>
+        <p:nvSpPr>
+          <p:cNvPr id="5" name="Chỗ dành sẵn cho Chân trang 4">
+            <a:extLst>
+              <a:ext uri="{FF2B5EF4-FFF2-40B4-BE49-F238E27FC236}">
+                <a16:creationId xmlns:a16="http://schemas.microsoft.com/office/drawing/2014/main" id="{E07FCEAD-0500-4F1F-B35B-29A07AF2E920}"/>
+              </a:ext>
+            </a:extLst>
+          </p:cNvPr>
+          <p:cNvSpPr>
+            <a:spLocks noGrp="1"/>
+          </p:cNvSpPr>
+          <p:nvPr>
+            <p:ph type="ftr" sz="quarter" idx="11"/>
+          </p:nvPr>
+        </p:nvSpPr>
+        <p:spPr/>
+        <p:txBody>
+          <a:bodyPr/>
+          <a:lstStyle/>
+          <a:p>
+            <a:r>
+              <a:rPr lang="en-US"/>
+              <a:t>IT3670Q – Nhập môn Java</a:t>
+            </a:r>
+            <a:endParaRPr lang="en-US" dirty="0"/>
+          </a:p>
+        </p:txBody>
+      </p:sp>
+      <p:sp>
+        <p:nvSpPr>
+          <p:cNvPr id="6" name="Chỗ dành sẵn cho Số hiệu Bản chiếu 5">
+            <a:extLst>
+              <a:ext uri="{FF2B5EF4-FFF2-40B4-BE49-F238E27FC236}">
+                <a16:creationId xmlns:a16="http://schemas.microsoft.com/office/drawing/2014/main" id="{5B53D36B-80C8-494A-BA26-0AA65ACC4BE4}"/>
+              </a:ext>
+            </a:extLst>
+          </p:cNvPr>
+          <p:cNvSpPr>
+            <a:spLocks noGrp="1"/>
+          </p:cNvSpPr>
+          <p:nvPr>
+            <p:ph type="sldNum" sz="quarter" idx="12"/>
+          </p:nvPr>
+        </p:nvSpPr>
+        <p:spPr/>
+        <p:txBody>
+          <a:bodyPr/>
+          <a:lstStyle/>
+          <a:p>
+            <a:fld id="{8C13379D-D487-4446-85FC-E9ED5B8B80F6}" type="slidenum">
+              <a:rPr lang="en-US" smtClean="0"/>
+              <a:pPr/>
+              <a:t>10</a:t>
+            </a:fld>
+            <a:r>
+              <a:rPr lang="en-US"/>
+              <a:t> </a:t>
+            </a:r>
+          </a:p>
+        </p:txBody>
+      </p:sp>
+      <p:pic>
+        <p:nvPicPr>
+          <p:cNvPr id="8" name="Hình ảnh 7">
+            <a:extLst>
+              <a:ext uri="{FF2B5EF4-FFF2-40B4-BE49-F238E27FC236}">
+                <a16:creationId xmlns:a16="http://schemas.microsoft.com/office/drawing/2014/main" id="{4EEF1B61-7917-49B9-8839-C6551346D661}"/>
+              </a:ext>
+            </a:extLst>
+          </p:cNvPr>
+          <p:cNvPicPr>
+            <a:picLocks noChangeAspect="1"/>
+          </p:cNvPicPr>
+          <p:nvPr/>
+        </p:nvPicPr>
+        <p:blipFill>
+          <a:blip r:embed="rId3"/>
+          <a:stretch>
+            <a:fillRect/>
+          </a:stretch>
+        </p:blipFill>
+        <p:spPr>
+          <a:xfrm>
+            <a:off x="49919" y="1676702"/>
+            <a:ext cx="9050013" cy="3534268"/>
+          </a:xfrm>
+          <a:prstGeom prst="rect">
+            <a:avLst/>
+          </a:prstGeom>
+          <a:ln>
+            <a:solidFill>
+              <a:schemeClr val="tx1"/>
+            </a:solidFill>
+          </a:ln>
+        </p:spPr>
+      </p:pic>
+      <p:sp>
+        <p:nvSpPr>
+          <p:cNvPr id="9" name="Chỗ dành sẵn cho Nội dung 2">
+            <a:extLst>
+              <a:ext uri="{FF2B5EF4-FFF2-40B4-BE49-F238E27FC236}">
+                <a16:creationId xmlns:a16="http://schemas.microsoft.com/office/drawing/2014/main" id="{D9493352-25EB-4E81-AEA1-925A6C028E55}"/>
+              </a:ext>
+            </a:extLst>
+          </p:cNvPr>
+          <p:cNvSpPr>
+            <a:spLocks noGrp="1"/>
+          </p:cNvSpPr>
+          <p:nvPr>
+            <p:ph idx="1"/>
+          </p:nvPr>
+        </p:nvSpPr>
+        <p:spPr>
+          <a:xfrm>
+            <a:off x="49213" y="5394325"/>
+            <a:ext cx="9050337" cy="731838"/>
+          </a:xfrm>
+        </p:spPr>
+        <p:txBody>
+          <a:bodyPr>
+            <a:normAutofit/>
+          </a:bodyPr>
+          <a:lstStyle/>
+          <a:p>
+            <a:pPr marL="0" indent="0" algn="ctr">
+              <a:buNone/>
+            </a:pPr>
+            <a:r>
+              <a:rPr lang="vi-VN" sz="2000" i="1" dirty="0" err="1">
+                <a:solidFill>
+                  <a:schemeClr val="tx1">
+                    <a:lumMod val="75000"/>
+                    <a:lumOff val="25000"/>
+                  </a:schemeClr>
+                </a:solidFill>
+              </a:rPr>
+              <a:t>Dữ</a:t>
+            </a:r>
+            <a:r>
+              <a:rPr lang="vi-VN" sz="2000" i="1" dirty="0">
+                <a:solidFill>
+                  <a:schemeClr val="tx1">
+                    <a:lumMod val="75000"/>
+                    <a:lumOff val="25000"/>
+                  </a:schemeClr>
+                </a:solidFill>
+              </a:rPr>
+              <a:t> </a:t>
+            </a:r>
+            <a:r>
+              <a:rPr lang="vi-VN" sz="2000" i="1" dirty="0" err="1">
+                <a:solidFill>
+                  <a:schemeClr val="tx1">
+                    <a:lumMod val="75000"/>
+                    <a:lumOff val="25000"/>
+                  </a:schemeClr>
+                </a:solidFill>
+              </a:rPr>
+              <a:t>liệu</a:t>
+            </a:r>
+            <a:endParaRPr lang="vi-VN" sz="2000" i="1" dirty="0">
+              <a:solidFill>
+                <a:schemeClr val="tx1">
+                  <a:lumMod val="75000"/>
+                  <a:lumOff val="25000"/>
+                </a:schemeClr>
+              </a:solidFill>
+            </a:endParaRPr>
+          </a:p>
+        </p:txBody>
+      </p:sp>
+    </p:spTree>
+    <p:extLst>
+      <p:ext uri="{BB962C8B-B14F-4D97-AF65-F5344CB8AC3E}">
+        <p14:creationId xmlns:p14="http://schemas.microsoft.com/office/powerpoint/2010/main" val="237487770"/>
+      </p:ext>
+    </p:extLst>
+  </p:cSld>
+  <p:clrMapOvr>
+    <a:masterClrMapping/>
+  </p:clrMapOvr>
+</p:sld>
+</file>
+
+<file path=ppt/slides/slide11.xml><?xml version="1.0" encoding="utf-8"?>
+<p:sld xmlns:a="http://schemas.openxmlformats.org/drawingml/2006/main" xmlns:r="http://schemas.openxmlformats.org/officeDocument/2006/relationships" xmlns:p="http://schemas.openxmlformats.org/presentationml/2006/main">
+  <p:cSld>
+    <p:spTree>
+      <p:nvGrpSpPr>
+        <p:cNvPr id="1" name=""/>
+        <p:cNvGrpSpPr/>
+        <p:nvPr/>
+      </p:nvGrpSpPr>
+      <p:grpSpPr>
+        <a:xfrm>
+          <a:off x="0" y="0"/>
+          <a:ext cx="0" cy="0"/>
+          <a:chOff x="0" y="0"/>
+          <a:chExt cx="0" cy="0"/>
+        </a:xfrm>
+      </p:grpSpPr>
+      <p:sp>
+        <p:nvSpPr>
           <p:cNvPr id="5" name="テキスト プレースホルダー 4"/>
           <p:cNvSpPr>
             <a:spLocks noGrp="1"/>
@@ -10306,6 +10739,1530 @@
           <a:lstStyle/>
           <a:p>
             <a:r>
+              <a:rPr lang="en-US" dirty="0" err="1"/>
+              <a:t>Cấu</a:t>
+            </a:r>
+            <a:r>
+              <a:rPr lang="en-US" dirty="0"/>
+              <a:t> </a:t>
+            </a:r>
+            <a:r>
+              <a:rPr lang="en-US" dirty="0" err="1"/>
+              <a:t>tạo</a:t>
+            </a:r>
+            <a:r>
+              <a:rPr lang="en-US" dirty="0"/>
+              <a:t> </a:t>
+            </a:r>
+            <a:r>
+              <a:rPr lang="en-US" dirty="0" err="1"/>
+              <a:t>của</a:t>
+            </a:r>
+            <a:r>
+              <a:rPr lang="en-US" dirty="0"/>
+              <a:t> </a:t>
+            </a:r>
+            <a:r>
+              <a:rPr lang="en-US" dirty="0" err="1"/>
+              <a:t>chương</a:t>
+            </a:r>
+            <a:r>
+              <a:rPr lang="en-US" dirty="0"/>
+              <a:t> </a:t>
+            </a:r>
+            <a:r>
+              <a:rPr lang="en-US" dirty="0" err="1"/>
+              <a:t>trình</a:t>
+            </a:r>
+            <a:endParaRPr lang="vi-VN" dirty="0"/>
+          </a:p>
+        </p:txBody>
+      </p:sp>
+      <p:sp>
+        <p:nvSpPr>
+          <p:cNvPr id="4" name="Chỗ dành sẵn cho Ngày tháng 3">
+            <a:extLst>
+              <a:ext uri="{FF2B5EF4-FFF2-40B4-BE49-F238E27FC236}">
+                <a16:creationId xmlns:a16="http://schemas.microsoft.com/office/drawing/2014/main" id="{111DF34B-2F2A-4839-BAFC-A8ABA47572E5}"/>
+              </a:ext>
+            </a:extLst>
+          </p:cNvPr>
+          <p:cNvSpPr>
+            <a:spLocks noGrp="1"/>
+          </p:cNvSpPr>
+          <p:nvPr>
+            <p:ph type="dt" sz="half" idx="10"/>
+          </p:nvPr>
+        </p:nvSpPr>
+        <p:spPr/>
+        <p:txBody>
+          <a:bodyPr/>
+          <a:lstStyle/>
+          <a:p>
+            <a:r>
+              <a:rPr lang="en-US"/>
+              <a:t>© SoICT 2020</a:t>
+            </a:r>
+            <a:endParaRPr lang="en-US" dirty="0"/>
+          </a:p>
+        </p:txBody>
+      </p:sp>
+      <p:sp>
+        <p:nvSpPr>
+          <p:cNvPr id="5" name="Chỗ dành sẵn cho Chân trang 4">
+            <a:extLst>
+              <a:ext uri="{FF2B5EF4-FFF2-40B4-BE49-F238E27FC236}">
+                <a16:creationId xmlns:a16="http://schemas.microsoft.com/office/drawing/2014/main" id="{54BAEEF1-E8A0-4694-9D25-041A0BB47DDD}"/>
+              </a:ext>
+            </a:extLst>
+          </p:cNvPr>
+          <p:cNvSpPr>
+            <a:spLocks noGrp="1"/>
+          </p:cNvSpPr>
+          <p:nvPr>
+            <p:ph type="ftr" sz="quarter" idx="11"/>
+          </p:nvPr>
+        </p:nvSpPr>
+        <p:spPr/>
+        <p:txBody>
+          <a:bodyPr/>
+          <a:lstStyle/>
+          <a:p>
+            <a:r>
+              <a:rPr lang="en-US" dirty="0"/>
+              <a:t>IT3670Q – </a:t>
+            </a:r>
+            <a:r>
+              <a:rPr lang="en-US" dirty="0" err="1"/>
+              <a:t>Nhập</a:t>
+            </a:r>
+            <a:r>
+              <a:rPr lang="en-US" dirty="0"/>
+              <a:t> </a:t>
+            </a:r>
+            <a:r>
+              <a:rPr lang="en-US" dirty="0" err="1"/>
+              <a:t>môn</a:t>
+            </a:r>
+            <a:r>
+              <a:rPr lang="en-US" dirty="0"/>
+              <a:t> Java</a:t>
+            </a:r>
+          </a:p>
+        </p:txBody>
+      </p:sp>
+      <p:sp>
+        <p:nvSpPr>
+          <p:cNvPr id="6" name="Chỗ dành sẵn cho Số hiệu Bản chiếu 5">
+            <a:extLst>
+              <a:ext uri="{FF2B5EF4-FFF2-40B4-BE49-F238E27FC236}">
+                <a16:creationId xmlns:a16="http://schemas.microsoft.com/office/drawing/2014/main" id="{7240C72F-A144-43E2-8B12-AEF6449C256F}"/>
+              </a:ext>
+            </a:extLst>
+          </p:cNvPr>
+          <p:cNvSpPr>
+            <a:spLocks noGrp="1"/>
+          </p:cNvSpPr>
+          <p:nvPr>
+            <p:ph type="sldNum" sz="quarter" idx="12"/>
+          </p:nvPr>
+        </p:nvSpPr>
+        <p:spPr/>
+        <p:txBody>
+          <a:bodyPr/>
+          <a:lstStyle/>
+          <a:p>
+            <a:fld id="{8C13379D-D487-4446-85FC-E9ED5B8B80F6}" type="slidenum">
+              <a:rPr lang="en-US" smtClean="0"/>
+              <a:pPr/>
+              <a:t>3</a:t>
+            </a:fld>
+            <a:r>
+              <a:rPr lang="en-US"/>
+              <a:t> </a:t>
+            </a:r>
+          </a:p>
+        </p:txBody>
+      </p:sp>
+      <p:pic>
+        <p:nvPicPr>
+          <p:cNvPr id="8" name="Hình ảnh 7">
+            <a:extLst>
+              <a:ext uri="{FF2B5EF4-FFF2-40B4-BE49-F238E27FC236}">
+                <a16:creationId xmlns:a16="http://schemas.microsoft.com/office/drawing/2014/main" id="{3008885C-E2BC-48EF-9D4B-5BE6B44E1163}"/>
+              </a:ext>
+            </a:extLst>
+          </p:cNvPr>
+          <p:cNvPicPr>
+            <a:picLocks noChangeAspect="1"/>
+          </p:cNvPicPr>
+          <p:nvPr/>
+        </p:nvPicPr>
+        <p:blipFill>
+          <a:blip r:embed="rId3"/>
+          <a:stretch>
+            <a:fillRect/>
+          </a:stretch>
+        </p:blipFill>
+        <p:spPr>
+          <a:xfrm>
+            <a:off x="408095" y="1161878"/>
+            <a:ext cx="3238952" cy="2400635"/>
+          </a:xfrm>
+          <a:prstGeom prst="rect">
+            <a:avLst/>
+          </a:prstGeom>
+          <a:ln>
+            <a:solidFill>
+              <a:schemeClr val="tx1"/>
+            </a:solidFill>
+          </a:ln>
+        </p:spPr>
+      </p:pic>
+      <p:sp>
+        <p:nvSpPr>
+          <p:cNvPr id="12" name="Hình chữ nhật 11">
+            <a:extLst>
+              <a:ext uri="{FF2B5EF4-FFF2-40B4-BE49-F238E27FC236}">
+                <a16:creationId xmlns:a16="http://schemas.microsoft.com/office/drawing/2014/main" id="{053B21BA-30DB-4762-9F15-AA8596BC4841}"/>
+              </a:ext>
+            </a:extLst>
+          </p:cNvPr>
+          <p:cNvSpPr/>
+          <p:nvPr/>
+        </p:nvSpPr>
+        <p:spPr>
+          <a:xfrm>
+            <a:off x="4419150" y="1808046"/>
+            <a:ext cx="2057400" cy="545236"/>
+          </a:xfrm>
+          <a:prstGeom prst="rect">
+            <a:avLst/>
+          </a:prstGeom>
+        </p:spPr>
+        <p:style>
+          <a:lnRef idx="2">
+            <a:schemeClr val="accent3">
+              <a:shade val="50000"/>
+            </a:schemeClr>
+          </a:lnRef>
+          <a:fillRef idx="1">
+            <a:schemeClr val="accent3"/>
+          </a:fillRef>
+          <a:effectRef idx="0">
+            <a:schemeClr val="accent3"/>
+          </a:effectRef>
+          <a:fontRef idx="minor">
+            <a:schemeClr val="lt1"/>
+          </a:fontRef>
+        </p:style>
+        <p:txBody>
+          <a:bodyPr rtlCol="0" anchor="ctr"/>
+          <a:lstStyle/>
+          <a:p>
+            <a:pPr algn="ctr"/>
+            <a:r>
+              <a:rPr lang="vi-VN" dirty="0" err="1"/>
+              <a:t>Laucher</a:t>
+            </a:r>
+            <a:endParaRPr lang="vi-VN" dirty="0"/>
+          </a:p>
+        </p:txBody>
+      </p:sp>
+      <p:sp>
+        <p:nvSpPr>
+          <p:cNvPr id="13" name="Hình chữ nhật 12">
+            <a:extLst>
+              <a:ext uri="{FF2B5EF4-FFF2-40B4-BE49-F238E27FC236}">
+                <a16:creationId xmlns:a16="http://schemas.microsoft.com/office/drawing/2014/main" id="{C40D05C2-375E-438F-9AD9-143E164B5406}"/>
+              </a:ext>
+            </a:extLst>
+          </p:cNvPr>
+          <p:cNvSpPr/>
+          <p:nvPr/>
+        </p:nvSpPr>
+        <p:spPr>
+          <a:xfrm>
+            <a:off x="4419150" y="2677141"/>
+            <a:ext cx="2057400" cy="545236"/>
+          </a:xfrm>
+          <a:prstGeom prst="rect">
+            <a:avLst/>
+          </a:prstGeom>
+        </p:spPr>
+        <p:style>
+          <a:lnRef idx="2">
+            <a:schemeClr val="accent2">
+              <a:shade val="50000"/>
+            </a:schemeClr>
+          </a:lnRef>
+          <a:fillRef idx="1">
+            <a:schemeClr val="accent2"/>
+          </a:fillRef>
+          <a:effectRef idx="0">
+            <a:schemeClr val="accent2"/>
+          </a:effectRef>
+          <a:fontRef idx="minor">
+            <a:schemeClr val="lt1"/>
+          </a:fontRef>
+        </p:style>
+        <p:txBody>
+          <a:bodyPr rtlCol="0" anchor="ctr"/>
+          <a:lstStyle/>
+          <a:p>
+            <a:pPr algn="ctr"/>
+            <a:r>
+              <a:rPr lang="vi-VN" dirty="0" err="1"/>
+              <a:t>Vehicle</a:t>
+            </a:r>
+            <a:endParaRPr lang="vi-VN" dirty="0"/>
+          </a:p>
+        </p:txBody>
+      </p:sp>
+      <p:sp>
+        <p:nvSpPr>
+          <p:cNvPr id="14" name="Hình chữ nhật 13">
+            <a:extLst>
+              <a:ext uri="{FF2B5EF4-FFF2-40B4-BE49-F238E27FC236}">
+                <a16:creationId xmlns:a16="http://schemas.microsoft.com/office/drawing/2014/main" id="{011610CA-8AAF-4913-A71C-FAB7B4AD3200}"/>
+              </a:ext>
+            </a:extLst>
+          </p:cNvPr>
+          <p:cNvSpPr/>
+          <p:nvPr/>
+        </p:nvSpPr>
+        <p:spPr>
+          <a:xfrm>
+            <a:off x="5562600" y="4064864"/>
+            <a:ext cx="1412913" cy="545236"/>
+          </a:xfrm>
+          <a:prstGeom prst="rect">
+            <a:avLst/>
+          </a:prstGeom>
+        </p:spPr>
+        <p:style>
+          <a:lnRef idx="2">
+            <a:schemeClr val="accent1">
+              <a:shade val="50000"/>
+            </a:schemeClr>
+          </a:lnRef>
+          <a:fillRef idx="1">
+            <a:schemeClr val="accent1"/>
+          </a:fillRef>
+          <a:effectRef idx="0">
+            <a:schemeClr val="accent1"/>
+          </a:effectRef>
+          <a:fontRef idx="minor">
+            <a:schemeClr val="lt1"/>
+          </a:fontRef>
+        </p:style>
+        <p:txBody>
+          <a:bodyPr rtlCol="0" anchor="ctr"/>
+          <a:lstStyle/>
+          <a:p>
+            <a:pPr algn="ctr"/>
+            <a:r>
+              <a:rPr lang="vi-VN" dirty="0" err="1"/>
+              <a:t>Truck</a:t>
+            </a:r>
+            <a:endParaRPr lang="vi-VN" dirty="0"/>
+          </a:p>
+        </p:txBody>
+      </p:sp>
+      <p:sp>
+        <p:nvSpPr>
+          <p:cNvPr id="15" name="Hình chữ nhật 14">
+            <a:extLst>
+              <a:ext uri="{FF2B5EF4-FFF2-40B4-BE49-F238E27FC236}">
+                <a16:creationId xmlns:a16="http://schemas.microsoft.com/office/drawing/2014/main" id="{D5D8D4B8-A45E-4217-9BF5-448FD4B456F1}"/>
+              </a:ext>
+            </a:extLst>
+          </p:cNvPr>
+          <p:cNvSpPr/>
+          <p:nvPr/>
+        </p:nvSpPr>
+        <p:spPr>
+          <a:xfrm>
+            <a:off x="7239000" y="4064864"/>
+            <a:ext cx="1412913" cy="545236"/>
+          </a:xfrm>
+          <a:prstGeom prst="rect">
+            <a:avLst/>
+          </a:prstGeom>
+        </p:spPr>
+        <p:style>
+          <a:lnRef idx="2">
+            <a:schemeClr val="accent1">
+              <a:shade val="50000"/>
+            </a:schemeClr>
+          </a:lnRef>
+          <a:fillRef idx="1">
+            <a:schemeClr val="accent1"/>
+          </a:fillRef>
+          <a:effectRef idx="0">
+            <a:schemeClr val="accent1"/>
+          </a:effectRef>
+          <a:fontRef idx="minor">
+            <a:schemeClr val="lt1"/>
+          </a:fontRef>
+        </p:style>
+        <p:txBody>
+          <a:bodyPr rtlCol="0" anchor="ctr"/>
+          <a:lstStyle/>
+          <a:p>
+            <a:pPr algn="ctr"/>
+            <a:r>
+              <a:rPr lang="vi-VN" dirty="0" err="1"/>
+              <a:t>Find</a:t>
+            </a:r>
+            <a:endParaRPr lang="vi-VN" dirty="0"/>
+          </a:p>
+        </p:txBody>
+      </p:sp>
+      <p:sp>
+        <p:nvSpPr>
+          <p:cNvPr id="16" name="Hình chữ nhật 15">
+            <a:extLst>
+              <a:ext uri="{FF2B5EF4-FFF2-40B4-BE49-F238E27FC236}">
+                <a16:creationId xmlns:a16="http://schemas.microsoft.com/office/drawing/2014/main" id="{9E83BF57-DAE9-4A7F-814F-C6988D19DBCE}"/>
+              </a:ext>
+            </a:extLst>
+          </p:cNvPr>
+          <p:cNvSpPr/>
+          <p:nvPr/>
+        </p:nvSpPr>
+        <p:spPr>
+          <a:xfrm>
+            <a:off x="3865543" y="4064864"/>
+            <a:ext cx="1412913" cy="545236"/>
+          </a:xfrm>
+          <a:prstGeom prst="rect">
+            <a:avLst/>
+          </a:prstGeom>
+        </p:spPr>
+        <p:style>
+          <a:lnRef idx="2">
+            <a:schemeClr val="accent1">
+              <a:shade val="50000"/>
+            </a:schemeClr>
+          </a:lnRef>
+          <a:fillRef idx="1">
+            <a:schemeClr val="accent1"/>
+          </a:fillRef>
+          <a:effectRef idx="0">
+            <a:schemeClr val="accent1"/>
+          </a:effectRef>
+          <a:fontRef idx="minor">
+            <a:schemeClr val="lt1"/>
+          </a:fontRef>
+        </p:style>
+        <p:txBody>
+          <a:bodyPr rtlCol="0" anchor="ctr"/>
+          <a:lstStyle/>
+          <a:p>
+            <a:pPr algn="ctr"/>
+            <a:r>
+              <a:rPr lang="vi-VN" dirty="0" err="1"/>
+              <a:t>Bike</a:t>
+            </a:r>
+            <a:endParaRPr lang="vi-VN" dirty="0"/>
+          </a:p>
+        </p:txBody>
+      </p:sp>
+      <p:sp>
+        <p:nvSpPr>
+          <p:cNvPr id="17" name="Hình chữ nhật 16">
+            <a:extLst>
+              <a:ext uri="{FF2B5EF4-FFF2-40B4-BE49-F238E27FC236}">
+                <a16:creationId xmlns:a16="http://schemas.microsoft.com/office/drawing/2014/main" id="{7D53B26F-ABA5-4389-AB48-EAFC3F894804}"/>
+              </a:ext>
+            </a:extLst>
+          </p:cNvPr>
+          <p:cNvSpPr/>
+          <p:nvPr/>
+        </p:nvSpPr>
+        <p:spPr>
+          <a:xfrm>
+            <a:off x="2168486" y="4064863"/>
+            <a:ext cx="1412913" cy="545236"/>
+          </a:xfrm>
+          <a:prstGeom prst="rect">
+            <a:avLst/>
+          </a:prstGeom>
+        </p:spPr>
+        <p:style>
+          <a:lnRef idx="2">
+            <a:schemeClr val="accent1">
+              <a:shade val="50000"/>
+            </a:schemeClr>
+          </a:lnRef>
+          <a:fillRef idx="1">
+            <a:schemeClr val="accent1"/>
+          </a:fillRef>
+          <a:effectRef idx="0">
+            <a:schemeClr val="accent1"/>
+          </a:effectRef>
+          <a:fontRef idx="minor">
+            <a:schemeClr val="lt1"/>
+          </a:fontRef>
+        </p:style>
+        <p:txBody>
+          <a:bodyPr rtlCol="0" anchor="ctr"/>
+          <a:lstStyle/>
+          <a:p>
+            <a:pPr algn="ctr"/>
+            <a:r>
+              <a:rPr lang="vi-VN" dirty="0" err="1"/>
+              <a:t>Car</a:t>
+            </a:r>
+            <a:endParaRPr lang="vi-VN" dirty="0"/>
+          </a:p>
+        </p:txBody>
+      </p:sp>
+      <p:sp>
+        <p:nvSpPr>
+          <p:cNvPr id="21" name="Hình chữ nhật 20">
+            <a:extLst>
+              <a:ext uri="{FF2B5EF4-FFF2-40B4-BE49-F238E27FC236}">
+                <a16:creationId xmlns:a16="http://schemas.microsoft.com/office/drawing/2014/main" id="{214804ED-35C9-4BC9-84C2-CB04C2B04386}"/>
+              </a:ext>
+            </a:extLst>
+          </p:cNvPr>
+          <p:cNvSpPr/>
+          <p:nvPr/>
+        </p:nvSpPr>
+        <p:spPr>
+          <a:xfrm>
+            <a:off x="6815770" y="4933959"/>
+            <a:ext cx="2186380" cy="457359"/>
+          </a:xfrm>
+          <a:prstGeom prst="rect">
+            <a:avLst/>
+          </a:prstGeom>
+        </p:spPr>
+        <p:style>
+          <a:lnRef idx="2">
+            <a:schemeClr val="accent2">
+              <a:shade val="50000"/>
+            </a:schemeClr>
+          </a:lnRef>
+          <a:fillRef idx="1">
+            <a:schemeClr val="accent2"/>
+          </a:fillRef>
+          <a:effectRef idx="0">
+            <a:schemeClr val="accent2"/>
+          </a:effectRef>
+          <a:fontRef idx="minor">
+            <a:schemeClr val="lt1"/>
+          </a:fontRef>
+        </p:style>
+        <p:txBody>
+          <a:bodyPr rtlCol="0" anchor="ctr"/>
+          <a:lstStyle/>
+          <a:p>
+            <a:pPr algn="ctr"/>
+            <a:r>
+              <a:rPr lang="vi-VN" dirty="0" err="1"/>
+              <a:t>ShowVehicleFound</a:t>
+            </a:r>
+            <a:endParaRPr lang="vi-VN" dirty="0"/>
+          </a:p>
+        </p:txBody>
+      </p:sp>
+      <p:sp>
+        <p:nvSpPr>
+          <p:cNvPr id="22" name="Hình Bầu dục 21">
+            <a:extLst>
+              <a:ext uri="{FF2B5EF4-FFF2-40B4-BE49-F238E27FC236}">
+                <a16:creationId xmlns:a16="http://schemas.microsoft.com/office/drawing/2014/main" id="{BF923835-DB95-42B4-9A56-8FAA2D67A88C}"/>
+              </a:ext>
+            </a:extLst>
+          </p:cNvPr>
+          <p:cNvSpPr/>
+          <p:nvPr/>
+        </p:nvSpPr>
+        <p:spPr>
+          <a:xfrm>
+            <a:off x="4285688" y="5851648"/>
+            <a:ext cx="2375756" cy="579773"/>
+          </a:xfrm>
+          <a:prstGeom prst="ellipse">
+            <a:avLst/>
+          </a:prstGeom>
+        </p:spPr>
+        <p:style>
+          <a:lnRef idx="2">
+            <a:schemeClr val="accent4">
+              <a:shade val="50000"/>
+            </a:schemeClr>
+          </a:lnRef>
+          <a:fillRef idx="1">
+            <a:schemeClr val="accent4"/>
+          </a:fillRef>
+          <a:effectRef idx="0">
+            <a:schemeClr val="accent4"/>
+          </a:effectRef>
+          <a:fontRef idx="minor">
+            <a:schemeClr val="lt1"/>
+          </a:fontRef>
+        </p:style>
+        <p:txBody>
+          <a:bodyPr rtlCol="0" anchor="ctr"/>
+          <a:lstStyle/>
+          <a:p>
+            <a:pPr algn="ctr"/>
+            <a:r>
+              <a:rPr lang="vi-VN" dirty="0" err="1"/>
+              <a:t>CreateExcel</a:t>
+            </a:r>
+            <a:endParaRPr lang="vi-VN" dirty="0"/>
+          </a:p>
+        </p:txBody>
+      </p:sp>
+      <p:cxnSp>
+        <p:nvCxnSpPr>
+          <p:cNvPr id="24" name="Đường kết nối Mũi tên Thẳng 23">
+            <a:extLst>
+              <a:ext uri="{FF2B5EF4-FFF2-40B4-BE49-F238E27FC236}">
+                <a16:creationId xmlns:a16="http://schemas.microsoft.com/office/drawing/2014/main" id="{C897D420-75D0-46BF-9F82-51E7189E7BEC}"/>
+              </a:ext>
+            </a:extLst>
+          </p:cNvPr>
+          <p:cNvCxnSpPr>
+            <a:cxnSpLocks/>
+            <a:stCxn id="12" idx="2"/>
+            <a:endCxn id="13" idx="0"/>
+          </p:cNvCxnSpPr>
+          <p:nvPr/>
+        </p:nvCxnSpPr>
+        <p:spPr>
+          <a:xfrm>
+            <a:off x="5447850" y="2353282"/>
+            <a:ext cx="0" cy="323859"/>
+          </a:xfrm>
+          <a:prstGeom prst="straightConnector1">
+            <a:avLst/>
+          </a:prstGeom>
+          <a:ln>
+            <a:tailEnd type="triangle"/>
+          </a:ln>
+        </p:spPr>
+        <p:style>
+          <a:lnRef idx="1">
+            <a:schemeClr val="accent1"/>
+          </a:lnRef>
+          <a:fillRef idx="0">
+            <a:schemeClr val="accent1"/>
+          </a:fillRef>
+          <a:effectRef idx="0">
+            <a:schemeClr val="accent1"/>
+          </a:effectRef>
+          <a:fontRef idx="minor">
+            <a:schemeClr val="tx1"/>
+          </a:fontRef>
+        </p:style>
+      </p:cxnSp>
+      <p:cxnSp>
+        <p:nvCxnSpPr>
+          <p:cNvPr id="25" name="Đường kết nối Mũi tên Thẳng 24">
+            <a:extLst>
+              <a:ext uri="{FF2B5EF4-FFF2-40B4-BE49-F238E27FC236}">
+                <a16:creationId xmlns:a16="http://schemas.microsoft.com/office/drawing/2014/main" id="{D074AA63-1513-4325-B69A-0B738D363FD2}"/>
+              </a:ext>
+            </a:extLst>
+          </p:cNvPr>
+          <p:cNvCxnSpPr>
+            <a:cxnSpLocks/>
+            <a:stCxn id="13" idx="2"/>
+            <a:endCxn id="17" idx="0"/>
+          </p:cNvCxnSpPr>
+          <p:nvPr/>
+        </p:nvCxnSpPr>
+        <p:spPr>
+          <a:xfrm flipH="1">
+            <a:off x="2874943" y="3222377"/>
+            <a:ext cx="2572907" cy="842486"/>
+          </a:xfrm>
+          <a:prstGeom prst="straightConnector1">
+            <a:avLst/>
+          </a:prstGeom>
+          <a:ln>
+            <a:tailEnd type="triangle"/>
+          </a:ln>
+        </p:spPr>
+        <p:style>
+          <a:lnRef idx="1">
+            <a:schemeClr val="accent1"/>
+          </a:lnRef>
+          <a:fillRef idx="0">
+            <a:schemeClr val="accent1"/>
+          </a:fillRef>
+          <a:effectRef idx="0">
+            <a:schemeClr val="accent1"/>
+          </a:effectRef>
+          <a:fontRef idx="minor">
+            <a:schemeClr val="tx1"/>
+          </a:fontRef>
+        </p:style>
+      </p:cxnSp>
+      <p:cxnSp>
+        <p:nvCxnSpPr>
+          <p:cNvPr id="28" name="Đường kết nối Mũi tên Thẳng 27">
+            <a:extLst>
+              <a:ext uri="{FF2B5EF4-FFF2-40B4-BE49-F238E27FC236}">
+                <a16:creationId xmlns:a16="http://schemas.microsoft.com/office/drawing/2014/main" id="{BF45F3B1-77CB-432E-BD88-4E06D6AC47AA}"/>
+              </a:ext>
+            </a:extLst>
+          </p:cNvPr>
+          <p:cNvCxnSpPr>
+            <a:cxnSpLocks/>
+            <a:stCxn id="13" idx="2"/>
+            <a:endCxn id="16" idx="0"/>
+          </p:cNvCxnSpPr>
+          <p:nvPr/>
+        </p:nvCxnSpPr>
+        <p:spPr>
+          <a:xfrm flipH="1">
+            <a:off x="4572000" y="3222377"/>
+            <a:ext cx="875850" cy="842487"/>
+          </a:xfrm>
+          <a:prstGeom prst="straightConnector1">
+            <a:avLst/>
+          </a:prstGeom>
+          <a:ln>
+            <a:tailEnd type="triangle"/>
+          </a:ln>
+        </p:spPr>
+        <p:style>
+          <a:lnRef idx="1">
+            <a:schemeClr val="accent1"/>
+          </a:lnRef>
+          <a:fillRef idx="0">
+            <a:schemeClr val="accent1"/>
+          </a:fillRef>
+          <a:effectRef idx="0">
+            <a:schemeClr val="accent1"/>
+          </a:effectRef>
+          <a:fontRef idx="minor">
+            <a:schemeClr val="tx1"/>
+          </a:fontRef>
+        </p:style>
+      </p:cxnSp>
+      <p:cxnSp>
+        <p:nvCxnSpPr>
+          <p:cNvPr id="30" name="Đường kết nối Mũi tên Thẳng 29">
+            <a:extLst>
+              <a:ext uri="{FF2B5EF4-FFF2-40B4-BE49-F238E27FC236}">
+                <a16:creationId xmlns:a16="http://schemas.microsoft.com/office/drawing/2014/main" id="{5FC61B1D-300D-4CFF-9F47-13E0BCAB3C7F}"/>
+              </a:ext>
+            </a:extLst>
+          </p:cNvPr>
+          <p:cNvCxnSpPr>
+            <a:cxnSpLocks/>
+            <a:stCxn id="13" idx="2"/>
+            <a:endCxn id="14" idx="0"/>
+          </p:cNvCxnSpPr>
+          <p:nvPr/>
+        </p:nvCxnSpPr>
+        <p:spPr>
+          <a:xfrm>
+            <a:off x="5447850" y="3222377"/>
+            <a:ext cx="821207" cy="842487"/>
+          </a:xfrm>
+          <a:prstGeom prst="straightConnector1">
+            <a:avLst/>
+          </a:prstGeom>
+          <a:ln>
+            <a:tailEnd type="triangle"/>
+          </a:ln>
+        </p:spPr>
+        <p:style>
+          <a:lnRef idx="1">
+            <a:schemeClr val="accent1"/>
+          </a:lnRef>
+          <a:fillRef idx="0">
+            <a:schemeClr val="accent1"/>
+          </a:fillRef>
+          <a:effectRef idx="0">
+            <a:schemeClr val="accent1"/>
+          </a:effectRef>
+          <a:fontRef idx="minor">
+            <a:schemeClr val="tx1"/>
+          </a:fontRef>
+        </p:style>
+      </p:cxnSp>
+      <p:cxnSp>
+        <p:nvCxnSpPr>
+          <p:cNvPr id="33" name="Đường kết nối Mũi tên Thẳng 32">
+            <a:extLst>
+              <a:ext uri="{FF2B5EF4-FFF2-40B4-BE49-F238E27FC236}">
+                <a16:creationId xmlns:a16="http://schemas.microsoft.com/office/drawing/2014/main" id="{8967F55E-93C8-4387-962C-6E73D9AB636B}"/>
+              </a:ext>
+            </a:extLst>
+          </p:cNvPr>
+          <p:cNvCxnSpPr>
+            <a:cxnSpLocks/>
+            <a:stCxn id="13" idx="2"/>
+            <a:endCxn id="15" idx="0"/>
+          </p:cNvCxnSpPr>
+          <p:nvPr/>
+        </p:nvCxnSpPr>
+        <p:spPr>
+          <a:xfrm>
+            <a:off x="5447850" y="3222377"/>
+            <a:ext cx="2497607" cy="842487"/>
+          </a:xfrm>
+          <a:prstGeom prst="straightConnector1">
+            <a:avLst/>
+          </a:prstGeom>
+          <a:ln>
+            <a:tailEnd type="triangle"/>
+          </a:ln>
+        </p:spPr>
+        <p:style>
+          <a:lnRef idx="1">
+            <a:schemeClr val="accent1"/>
+          </a:lnRef>
+          <a:fillRef idx="0">
+            <a:schemeClr val="accent1"/>
+          </a:fillRef>
+          <a:effectRef idx="0">
+            <a:schemeClr val="accent1"/>
+          </a:effectRef>
+          <a:fontRef idx="minor">
+            <a:schemeClr val="tx1"/>
+          </a:fontRef>
+        </p:style>
+      </p:cxnSp>
+      <p:cxnSp>
+        <p:nvCxnSpPr>
+          <p:cNvPr id="35" name="Đường kết nối Mũi tên Thẳng 34">
+            <a:extLst>
+              <a:ext uri="{FF2B5EF4-FFF2-40B4-BE49-F238E27FC236}">
+                <a16:creationId xmlns:a16="http://schemas.microsoft.com/office/drawing/2014/main" id="{1960EE94-5414-41AD-9BB9-41673DE5F40C}"/>
+              </a:ext>
+            </a:extLst>
+          </p:cNvPr>
+          <p:cNvCxnSpPr>
+            <a:cxnSpLocks/>
+            <a:stCxn id="15" idx="2"/>
+            <a:endCxn id="21" idx="0"/>
+          </p:cNvCxnSpPr>
+          <p:nvPr/>
+        </p:nvCxnSpPr>
+        <p:spPr>
+          <a:xfrm flipH="1">
+            <a:off x="7908960" y="4610100"/>
+            <a:ext cx="36497" cy="323859"/>
+          </a:xfrm>
+          <a:prstGeom prst="straightConnector1">
+            <a:avLst/>
+          </a:prstGeom>
+          <a:ln>
+            <a:tailEnd type="triangle"/>
+          </a:ln>
+        </p:spPr>
+        <p:style>
+          <a:lnRef idx="1">
+            <a:schemeClr val="accent1"/>
+          </a:lnRef>
+          <a:fillRef idx="0">
+            <a:schemeClr val="accent1"/>
+          </a:fillRef>
+          <a:effectRef idx="0">
+            <a:schemeClr val="accent1"/>
+          </a:effectRef>
+          <a:fontRef idx="minor">
+            <a:schemeClr val="tx1"/>
+          </a:fontRef>
+        </p:style>
+      </p:cxnSp>
+      <p:cxnSp>
+        <p:nvCxnSpPr>
+          <p:cNvPr id="36" name="Đường kết nối Mũi tên Thẳng 35">
+            <a:extLst>
+              <a:ext uri="{FF2B5EF4-FFF2-40B4-BE49-F238E27FC236}">
+                <a16:creationId xmlns:a16="http://schemas.microsoft.com/office/drawing/2014/main" id="{871900C4-7CDD-419B-ABC3-4E5F697645ED}"/>
+              </a:ext>
+            </a:extLst>
+          </p:cNvPr>
+          <p:cNvCxnSpPr>
+            <a:cxnSpLocks/>
+            <a:stCxn id="17" idx="2"/>
+            <a:endCxn id="22" idx="1"/>
+          </p:cNvCxnSpPr>
+          <p:nvPr/>
+        </p:nvCxnSpPr>
+        <p:spPr>
+          <a:xfrm>
+            <a:off x="2874943" y="4610099"/>
+            <a:ext cx="1758666" cy="1326455"/>
+          </a:xfrm>
+          <a:prstGeom prst="straightConnector1">
+            <a:avLst/>
+          </a:prstGeom>
+          <a:ln>
+            <a:tailEnd type="triangle"/>
+          </a:ln>
+        </p:spPr>
+        <p:style>
+          <a:lnRef idx="1">
+            <a:schemeClr val="accent1"/>
+          </a:lnRef>
+          <a:fillRef idx="0">
+            <a:schemeClr val="accent1"/>
+          </a:fillRef>
+          <a:effectRef idx="0">
+            <a:schemeClr val="accent1"/>
+          </a:effectRef>
+          <a:fontRef idx="minor">
+            <a:schemeClr val="tx1"/>
+          </a:fontRef>
+        </p:style>
+      </p:cxnSp>
+      <p:cxnSp>
+        <p:nvCxnSpPr>
+          <p:cNvPr id="37" name="Đường kết nối Mũi tên Thẳng 36">
+            <a:extLst>
+              <a:ext uri="{FF2B5EF4-FFF2-40B4-BE49-F238E27FC236}">
+                <a16:creationId xmlns:a16="http://schemas.microsoft.com/office/drawing/2014/main" id="{5261728C-8783-4F0C-9C06-0287427B77AE}"/>
+              </a:ext>
+            </a:extLst>
+          </p:cNvPr>
+          <p:cNvCxnSpPr>
+            <a:cxnSpLocks/>
+            <a:stCxn id="16" idx="2"/>
+            <a:endCxn id="22" idx="0"/>
+          </p:cNvCxnSpPr>
+          <p:nvPr/>
+        </p:nvCxnSpPr>
+        <p:spPr>
+          <a:xfrm>
+            <a:off x="4572000" y="4610100"/>
+            <a:ext cx="901566" cy="1241548"/>
+          </a:xfrm>
+          <a:prstGeom prst="straightConnector1">
+            <a:avLst/>
+          </a:prstGeom>
+          <a:ln>
+            <a:tailEnd type="triangle"/>
+          </a:ln>
+        </p:spPr>
+        <p:style>
+          <a:lnRef idx="1">
+            <a:schemeClr val="accent1"/>
+          </a:lnRef>
+          <a:fillRef idx="0">
+            <a:schemeClr val="accent1"/>
+          </a:fillRef>
+          <a:effectRef idx="0">
+            <a:schemeClr val="accent1"/>
+          </a:effectRef>
+          <a:fontRef idx="minor">
+            <a:schemeClr val="tx1"/>
+          </a:fontRef>
+        </p:style>
+      </p:cxnSp>
+      <p:cxnSp>
+        <p:nvCxnSpPr>
+          <p:cNvPr id="38" name="Đường kết nối Mũi tên Thẳng 37">
+            <a:extLst>
+              <a:ext uri="{FF2B5EF4-FFF2-40B4-BE49-F238E27FC236}">
+                <a16:creationId xmlns:a16="http://schemas.microsoft.com/office/drawing/2014/main" id="{754D6115-05D9-416C-B10E-0E2447845A76}"/>
+              </a:ext>
+            </a:extLst>
+          </p:cNvPr>
+          <p:cNvCxnSpPr>
+            <a:cxnSpLocks/>
+            <a:stCxn id="14" idx="2"/>
+            <a:endCxn id="22" idx="0"/>
+          </p:cNvCxnSpPr>
+          <p:nvPr/>
+        </p:nvCxnSpPr>
+        <p:spPr>
+          <a:xfrm flipH="1">
+            <a:off x="5473566" y="4610100"/>
+            <a:ext cx="795491" cy="1241548"/>
+          </a:xfrm>
+          <a:prstGeom prst="straightConnector1">
+            <a:avLst/>
+          </a:prstGeom>
+          <a:ln>
+            <a:tailEnd type="triangle"/>
+          </a:ln>
+        </p:spPr>
+        <p:style>
+          <a:lnRef idx="1">
+            <a:schemeClr val="accent1"/>
+          </a:lnRef>
+          <a:fillRef idx="0">
+            <a:schemeClr val="accent1"/>
+          </a:fillRef>
+          <a:effectRef idx="0">
+            <a:schemeClr val="accent1"/>
+          </a:effectRef>
+          <a:fontRef idx="minor">
+            <a:schemeClr val="tx1"/>
+          </a:fontRef>
+        </p:style>
+      </p:cxnSp>
+      <p:cxnSp>
+        <p:nvCxnSpPr>
+          <p:cNvPr id="39" name="Đường kết nối Mũi tên Thẳng 38">
+            <a:extLst>
+              <a:ext uri="{FF2B5EF4-FFF2-40B4-BE49-F238E27FC236}">
+                <a16:creationId xmlns:a16="http://schemas.microsoft.com/office/drawing/2014/main" id="{E4591509-BDCA-4B99-9E27-AC0594A6C374}"/>
+              </a:ext>
+            </a:extLst>
+          </p:cNvPr>
+          <p:cNvCxnSpPr>
+            <a:cxnSpLocks/>
+            <a:stCxn id="21" idx="2"/>
+            <a:endCxn id="22" idx="7"/>
+          </p:cNvCxnSpPr>
+          <p:nvPr/>
+        </p:nvCxnSpPr>
+        <p:spPr>
+          <a:xfrm flipH="1">
+            <a:off x="6313523" y="5391318"/>
+            <a:ext cx="1595437" cy="545236"/>
+          </a:xfrm>
+          <a:prstGeom prst="straightConnector1">
+            <a:avLst/>
+          </a:prstGeom>
+          <a:ln>
+            <a:tailEnd type="triangle"/>
+          </a:ln>
+        </p:spPr>
+        <p:style>
+          <a:lnRef idx="1">
+            <a:schemeClr val="accent1"/>
+          </a:lnRef>
+          <a:fillRef idx="0">
+            <a:schemeClr val="accent1"/>
+          </a:fillRef>
+          <a:effectRef idx="0">
+            <a:schemeClr val="accent1"/>
+          </a:effectRef>
+          <a:fontRef idx="minor">
+            <a:schemeClr val="tx1"/>
+          </a:fontRef>
+        </p:style>
+      </p:cxnSp>
+      <p:sp>
+        <p:nvSpPr>
+          <p:cNvPr id="66" name="Hộp Văn bản 65">
+            <a:extLst>
+              <a:ext uri="{FF2B5EF4-FFF2-40B4-BE49-F238E27FC236}">
+                <a16:creationId xmlns:a16="http://schemas.microsoft.com/office/drawing/2014/main" id="{80B47993-0506-4161-81A1-D7D43C804C83}"/>
+              </a:ext>
+            </a:extLst>
+          </p:cNvPr>
+          <p:cNvSpPr txBox="1"/>
+          <p:nvPr/>
+        </p:nvSpPr>
+        <p:spPr>
+          <a:xfrm>
+            <a:off x="3865543" y="1058469"/>
+            <a:ext cx="4786370" cy="369332"/>
+          </a:xfrm>
+          <a:prstGeom prst="rect">
+            <a:avLst/>
+          </a:prstGeom>
+          <a:noFill/>
+        </p:spPr>
+        <p:txBody>
+          <a:bodyPr wrap="square" rtlCol="0">
+            <a:spAutoFit/>
+          </a:bodyPr>
+          <a:lstStyle/>
+          <a:p>
+            <a:r>
+              <a:rPr lang="vi-VN" dirty="0" err="1"/>
+              <a:t>Hoạt</a:t>
+            </a:r>
+            <a:r>
+              <a:rPr lang="vi-VN" dirty="0"/>
+              <a:t> </a:t>
+            </a:r>
+            <a:r>
+              <a:rPr lang="vi-VN" dirty="0" err="1"/>
+              <a:t>động</a:t>
+            </a:r>
+            <a:r>
+              <a:rPr lang="vi-VN" dirty="0"/>
+              <a:t> </a:t>
+            </a:r>
+            <a:r>
+              <a:rPr lang="vi-VN" dirty="0" err="1"/>
+              <a:t>của</a:t>
+            </a:r>
+            <a:r>
+              <a:rPr lang="vi-VN" dirty="0"/>
+              <a:t> </a:t>
+            </a:r>
+            <a:r>
+              <a:rPr lang="vi-VN" dirty="0" err="1"/>
+              <a:t>các</a:t>
+            </a:r>
+            <a:r>
+              <a:rPr lang="vi-VN" dirty="0"/>
+              <a:t> </a:t>
+            </a:r>
+            <a:r>
+              <a:rPr lang="vi-VN" dirty="0" err="1"/>
+              <a:t>lớp</a:t>
+            </a:r>
+            <a:endParaRPr lang="vi-VN" dirty="0"/>
+          </a:p>
+        </p:txBody>
+      </p:sp>
+      <p:sp>
+        <p:nvSpPr>
+          <p:cNvPr id="90" name="Hình chữ nhật 89">
+            <a:extLst>
+              <a:ext uri="{FF2B5EF4-FFF2-40B4-BE49-F238E27FC236}">
+                <a16:creationId xmlns:a16="http://schemas.microsoft.com/office/drawing/2014/main" id="{C73268B1-FE05-4FFD-8C34-14AA02A83A44}"/>
+              </a:ext>
+            </a:extLst>
+          </p:cNvPr>
+          <p:cNvSpPr/>
+          <p:nvPr/>
+        </p:nvSpPr>
+        <p:spPr>
+          <a:xfrm>
+            <a:off x="228600" y="5189034"/>
+            <a:ext cx="966429" cy="365125"/>
+          </a:xfrm>
+          <a:prstGeom prst="rect">
+            <a:avLst/>
+          </a:prstGeom>
+        </p:spPr>
+        <p:style>
+          <a:lnRef idx="2">
+            <a:schemeClr val="accent2">
+              <a:shade val="50000"/>
+            </a:schemeClr>
+          </a:lnRef>
+          <a:fillRef idx="1">
+            <a:schemeClr val="accent2"/>
+          </a:fillRef>
+          <a:effectRef idx="0">
+            <a:schemeClr val="accent2"/>
+          </a:effectRef>
+          <a:fontRef idx="minor">
+            <a:schemeClr val="lt1"/>
+          </a:fontRef>
+        </p:style>
+        <p:txBody>
+          <a:bodyPr rtlCol="0" anchor="ctr"/>
+          <a:lstStyle/>
+          <a:p>
+            <a:pPr algn="ctr"/>
+            <a:endParaRPr lang="vi-VN" dirty="0"/>
+          </a:p>
+        </p:txBody>
+      </p:sp>
+      <p:sp>
+        <p:nvSpPr>
+          <p:cNvPr id="91" name="Hình chữ nhật 90">
+            <a:extLst>
+              <a:ext uri="{FF2B5EF4-FFF2-40B4-BE49-F238E27FC236}">
+                <a16:creationId xmlns:a16="http://schemas.microsoft.com/office/drawing/2014/main" id="{FBE743FB-9DD6-46C4-A971-CE66E79CCCCC}"/>
+              </a:ext>
+            </a:extLst>
+          </p:cNvPr>
+          <p:cNvSpPr/>
+          <p:nvPr/>
+        </p:nvSpPr>
+        <p:spPr>
+          <a:xfrm>
+            <a:off x="228600" y="5612681"/>
+            <a:ext cx="966429" cy="365125"/>
+          </a:xfrm>
+          <a:prstGeom prst="rect">
+            <a:avLst/>
+          </a:prstGeom>
+        </p:spPr>
+        <p:style>
+          <a:lnRef idx="2">
+            <a:schemeClr val="accent1">
+              <a:shade val="50000"/>
+            </a:schemeClr>
+          </a:lnRef>
+          <a:fillRef idx="1">
+            <a:schemeClr val="accent1"/>
+          </a:fillRef>
+          <a:effectRef idx="0">
+            <a:schemeClr val="accent1"/>
+          </a:effectRef>
+          <a:fontRef idx="minor">
+            <a:schemeClr val="lt1"/>
+          </a:fontRef>
+        </p:style>
+        <p:txBody>
+          <a:bodyPr rtlCol="0" anchor="ctr"/>
+          <a:lstStyle/>
+          <a:p>
+            <a:pPr algn="ctr"/>
+            <a:endParaRPr lang="vi-VN" dirty="0"/>
+          </a:p>
+        </p:txBody>
+      </p:sp>
+      <p:sp>
+        <p:nvSpPr>
+          <p:cNvPr id="92" name="Hình chữ nhật 91">
+            <a:extLst>
+              <a:ext uri="{FF2B5EF4-FFF2-40B4-BE49-F238E27FC236}">
+                <a16:creationId xmlns:a16="http://schemas.microsoft.com/office/drawing/2014/main" id="{9E9A9CEA-E7BB-43E3-9753-E59283CCD9AE}"/>
+              </a:ext>
+            </a:extLst>
+          </p:cNvPr>
+          <p:cNvSpPr/>
+          <p:nvPr/>
+        </p:nvSpPr>
+        <p:spPr>
+          <a:xfrm>
+            <a:off x="228600" y="6035675"/>
+            <a:ext cx="966429" cy="365125"/>
+          </a:xfrm>
+          <a:prstGeom prst="rect">
+            <a:avLst/>
+          </a:prstGeom>
+        </p:spPr>
+        <p:style>
+          <a:lnRef idx="2">
+            <a:schemeClr val="accent4">
+              <a:shade val="50000"/>
+            </a:schemeClr>
+          </a:lnRef>
+          <a:fillRef idx="1">
+            <a:schemeClr val="accent4"/>
+          </a:fillRef>
+          <a:effectRef idx="0">
+            <a:schemeClr val="accent4"/>
+          </a:effectRef>
+          <a:fontRef idx="minor">
+            <a:schemeClr val="lt1"/>
+          </a:fontRef>
+        </p:style>
+        <p:txBody>
+          <a:bodyPr rtlCol="0" anchor="ctr"/>
+          <a:lstStyle/>
+          <a:p>
+            <a:pPr algn="ctr"/>
+            <a:endParaRPr lang="vi-VN" dirty="0"/>
+          </a:p>
+        </p:txBody>
+      </p:sp>
+      <p:sp>
+        <p:nvSpPr>
+          <p:cNvPr id="93" name="Hình chữ nhật 92">
+            <a:extLst>
+              <a:ext uri="{FF2B5EF4-FFF2-40B4-BE49-F238E27FC236}">
+                <a16:creationId xmlns:a16="http://schemas.microsoft.com/office/drawing/2014/main" id="{383F5392-963C-4D3D-8ECF-11C17E705193}"/>
+              </a:ext>
+            </a:extLst>
+          </p:cNvPr>
+          <p:cNvSpPr/>
+          <p:nvPr/>
+        </p:nvSpPr>
+        <p:spPr>
+          <a:xfrm>
+            <a:off x="228599" y="4761690"/>
+            <a:ext cx="966429" cy="365125"/>
+          </a:xfrm>
+          <a:prstGeom prst="rect">
+            <a:avLst/>
+          </a:prstGeom>
+        </p:spPr>
+        <p:style>
+          <a:lnRef idx="2">
+            <a:schemeClr val="accent3">
+              <a:shade val="50000"/>
+            </a:schemeClr>
+          </a:lnRef>
+          <a:fillRef idx="1">
+            <a:schemeClr val="accent3"/>
+          </a:fillRef>
+          <a:effectRef idx="0">
+            <a:schemeClr val="accent3"/>
+          </a:effectRef>
+          <a:fontRef idx="minor">
+            <a:schemeClr val="lt1"/>
+          </a:fontRef>
+        </p:style>
+        <p:txBody>
+          <a:bodyPr rtlCol="0" anchor="ctr"/>
+          <a:lstStyle/>
+          <a:p>
+            <a:pPr algn="ctr"/>
+            <a:endParaRPr lang="vi-VN" dirty="0"/>
+          </a:p>
+        </p:txBody>
+      </p:sp>
+      <p:sp>
+        <p:nvSpPr>
+          <p:cNvPr id="94" name="Hộp Văn bản 93">
+            <a:extLst>
+              <a:ext uri="{FF2B5EF4-FFF2-40B4-BE49-F238E27FC236}">
+                <a16:creationId xmlns:a16="http://schemas.microsoft.com/office/drawing/2014/main" id="{EB6CFAAE-AAAC-4E52-A51B-BD393960BE85}"/>
+              </a:ext>
+            </a:extLst>
+          </p:cNvPr>
+          <p:cNvSpPr txBox="1"/>
+          <p:nvPr/>
+        </p:nvSpPr>
+        <p:spPr>
+          <a:xfrm>
+            <a:off x="112432" y="4337481"/>
+            <a:ext cx="1295040" cy="369332"/>
+          </a:xfrm>
+          <a:prstGeom prst="rect">
+            <a:avLst/>
+          </a:prstGeom>
+          <a:noFill/>
+        </p:spPr>
+        <p:txBody>
+          <a:bodyPr wrap="square" rtlCol="0">
+            <a:spAutoFit/>
+          </a:bodyPr>
+          <a:lstStyle/>
+          <a:p>
+            <a:r>
+              <a:rPr lang="vi-VN" dirty="0" err="1"/>
+              <a:t>Chú</a:t>
+            </a:r>
+            <a:r>
+              <a:rPr lang="vi-VN" dirty="0"/>
+              <a:t> </a:t>
+            </a:r>
+            <a:r>
+              <a:rPr lang="vi-VN" dirty="0" err="1"/>
+              <a:t>thích</a:t>
+            </a:r>
+            <a:r>
+              <a:rPr lang="vi-VN" dirty="0"/>
+              <a:t>: </a:t>
+            </a:r>
+          </a:p>
+        </p:txBody>
+      </p:sp>
+      <p:sp>
+        <p:nvSpPr>
+          <p:cNvPr id="95" name="Hộp Văn bản 94">
+            <a:extLst>
+              <a:ext uri="{FF2B5EF4-FFF2-40B4-BE49-F238E27FC236}">
+                <a16:creationId xmlns:a16="http://schemas.microsoft.com/office/drawing/2014/main" id="{6D46E952-6D4F-4076-968B-55046396D5A4}"/>
+              </a:ext>
+            </a:extLst>
+          </p:cNvPr>
+          <p:cNvSpPr txBox="1"/>
+          <p:nvPr/>
+        </p:nvSpPr>
+        <p:spPr>
+          <a:xfrm>
+            <a:off x="1195028" y="4755836"/>
+            <a:ext cx="1295040" cy="369332"/>
+          </a:xfrm>
+          <a:prstGeom prst="rect">
+            <a:avLst/>
+          </a:prstGeom>
+          <a:noFill/>
+        </p:spPr>
+        <p:txBody>
+          <a:bodyPr wrap="square" rtlCol="0">
+            <a:spAutoFit/>
+          </a:bodyPr>
+          <a:lstStyle/>
+          <a:p>
+            <a:r>
+              <a:rPr lang="vi-VN" dirty="0" err="1"/>
+              <a:t>Hàm</a:t>
+            </a:r>
+            <a:r>
+              <a:rPr lang="vi-VN" dirty="0"/>
+              <a:t> </a:t>
+            </a:r>
+            <a:r>
+              <a:rPr lang="vi-VN" dirty="0" err="1"/>
+              <a:t>chạy</a:t>
+            </a:r>
+            <a:endParaRPr lang="vi-VN" dirty="0"/>
+          </a:p>
+        </p:txBody>
+      </p:sp>
+      <p:sp>
+        <p:nvSpPr>
+          <p:cNvPr id="96" name="Hộp Văn bản 95">
+            <a:extLst>
+              <a:ext uri="{FF2B5EF4-FFF2-40B4-BE49-F238E27FC236}">
+                <a16:creationId xmlns:a16="http://schemas.microsoft.com/office/drawing/2014/main" id="{E1904EFC-AE38-4F4D-8D44-8C1976A56E73}"/>
+              </a:ext>
+            </a:extLst>
+          </p:cNvPr>
+          <p:cNvSpPr txBox="1"/>
+          <p:nvPr/>
+        </p:nvSpPr>
+        <p:spPr>
+          <a:xfrm>
+            <a:off x="1195028" y="5174191"/>
+            <a:ext cx="1295040" cy="369332"/>
+          </a:xfrm>
+          <a:prstGeom prst="rect">
+            <a:avLst/>
+          </a:prstGeom>
+          <a:noFill/>
+        </p:spPr>
+        <p:txBody>
+          <a:bodyPr wrap="square" rtlCol="0">
+            <a:spAutoFit/>
+          </a:bodyPr>
+          <a:lstStyle/>
+          <a:p>
+            <a:r>
+              <a:rPr lang="vi-VN" dirty="0" err="1"/>
+              <a:t>JFrame</a:t>
+            </a:r>
+            <a:endParaRPr lang="vi-VN" dirty="0"/>
+          </a:p>
+        </p:txBody>
+      </p:sp>
+      <p:sp>
+        <p:nvSpPr>
+          <p:cNvPr id="97" name="Hộp Văn bản 96">
+            <a:extLst>
+              <a:ext uri="{FF2B5EF4-FFF2-40B4-BE49-F238E27FC236}">
+                <a16:creationId xmlns:a16="http://schemas.microsoft.com/office/drawing/2014/main" id="{4E31DF1D-BE77-47E5-ABD6-013E93145E84}"/>
+              </a:ext>
+            </a:extLst>
+          </p:cNvPr>
+          <p:cNvSpPr txBox="1"/>
+          <p:nvPr/>
+        </p:nvSpPr>
+        <p:spPr>
+          <a:xfrm>
+            <a:off x="1195028" y="5591301"/>
+            <a:ext cx="1295040" cy="369332"/>
+          </a:xfrm>
+          <a:prstGeom prst="rect">
+            <a:avLst/>
+          </a:prstGeom>
+          <a:noFill/>
+        </p:spPr>
+        <p:txBody>
+          <a:bodyPr wrap="square" rtlCol="0">
+            <a:spAutoFit/>
+          </a:bodyPr>
+          <a:lstStyle/>
+          <a:p>
+            <a:r>
+              <a:rPr lang="vi-VN" dirty="0" err="1"/>
+              <a:t>JPanel</a:t>
+            </a:r>
+            <a:endParaRPr lang="vi-VN" dirty="0"/>
+          </a:p>
+        </p:txBody>
+      </p:sp>
+      <p:sp>
+        <p:nvSpPr>
+          <p:cNvPr id="98" name="Hộp Văn bản 97">
+            <a:extLst>
+              <a:ext uri="{FF2B5EF4-FFF2-40B4-BE49-F238E27FC236}">
+                <a16:creationId xmlns:a16="http://schemas.microsoft.com/office/drawing/2014/main" id="{D05858B8-FD0E-4DB5-AEF0-DF4594A81A27}"/>
+              </a:ext>
+            </a:extLst>
+          </p:cNvPr>
+          <p:cNvSpPr txBox="1"/>
+          <p:nvPr/>
+        </p:nvSpPr>
+        <p:spPr>
+          <a:xfrm>
+            <a:off x="1195027" y="6009656"/>
+            <a:ext cx="2133600" cy="369332"/>
+          </a:xfrm>
+          <a:prstGeom prst="rect">
+            <a:avLst/>
+          </a:prstGeom>
+          <a:noFill/>
+        </p:spPr>
+        <p:txBody>
+          <a:bodyPr wrap="square" rtlCol="0">
+            <a:spAutoFit/>
+          </a:bodyPr>
+          <a:lstStyle/>
+          <a:p>
+            <a:r>
+              <a:rPr lang="vi-VN" dirty="0" err="1"/>
+              <a:t>Hàm</a:t>
+            </a:r>
+            <a:r>
+              <a:rPr lang="vi-VN" dirty="0"/>
+              <a:t> </a:t>
+            </a:r>
+            <a:r>
+              <a:rPr lang="vi-VN" dirty="0" err="1"/>
+              <a:t>chức</a:t>
+            </a:r>
+            <a:r>
+              <a:rPr lang="vi-VN" dirty="0"/>
+              <a:t> năng</a:t>
+            </a:r>
+          </a:p>
+        </p:txBody>
+      </p:sp>
+    </p:spTree>
+    <p:extLst>
+      <p:ext uri="{BB962C8B-B14F-4D97-AF65-F5344CB8AC3E}">
+        <p14:creationId xmlns:p14="http://schemas.microsoft.com/office/powerpoint/2010/main" val="58406619"/>
+      </p:ext>
+    </p:extLst>
+  </p:cSld>
+  <p:clrMapOvr>
+    <a:masterClrMapping/>
+  </p:clrMapOvr>
+</p:sld>
+</file>
+
+<file path=ppt/slides/slide4.xml><?xml version="1.0" encoding="utf-8"?>
+<p:sld xmlns:a="http://schemas.openxmlformats.org/drawingml/2006/main" xmlns:r="http://schemas.openxmlformats.org/officeDocument/2006/relationships" xmlns:p="http://schemas.openxmlformats.org/presentationml/2006/main">
+  <p:cSld>
+    <p:spTree>
+      <p:nvGrpSpPr>
+        <p:cNvPr id="1" name=""/>
+        <p:cNvGrpSpPr/>
+        <p:nvPr/>
+      </p:nvGrpSpPr>
+      <p:grpSpPr>
+        <a:xfrm>
+          <a:off x="0" y="0"/>
+          <a:ext cx="0" cy="0"/>
+          <a:chOff x="0" y="0"/>
+          <a:chExt cx="0" cy="0"/>
+        </a:xfrm>
+      </p:grpSpPr>
+      <p:sp>
+        <p:nvSpPr>
+          <p:cNvPr id="2" name="Tiêu đề 1">
+            <a:extLst>
+              <a:ext uri="{FF2B5EF4-FFF2-40B4-BE49-F238E27FC236}">
+                <a16:creationId xmlns:a16="http://schemas.microsoft.com/office/drawing/2014/main" id="{F8300013-3A13-4E91-AF67-CAA85B3CD9C9}"/>
+              </a:ext>
+            </a:extLst>
+          </p:cNvPr>
+          <p:cNvSpPr>
+            <a:spLocks noGrp="1"/>
+          </p:cNvSpPr>
+          <p:nvPr>
+            <p:ph type="title"/>
+          </p:nvPr>
+        </p:nvSpPr>
+        <p:spPr/>
+        <p:txBody>
+          <a:bodyPr/>
+          <a:lstStyle/>
+          <a:p>
+            <a:r>
               <a:rPr lang="vi-VN" dirty="0"/>
               <a:t>Giao </a:t>
             </a:r>
@@ -10505,7 +12462,7 @@
             <a:fld id="{8C13379D-D487-4446-85FC-E9ED5B8B80F6}" type="slidenum">
               <a:rPr lang="en-US" smtClean="0"/>
               <a:pPr/>
-              <a:t>3</a:t>
+              <a:t>4</a:t>
             </a:fld>
             <a:r>
               <a:rPr lang="en-US"/>
@@ -10562,7 +12519,7 @@
 </p:sld>
 </file>
 
-<file path=ppt/slides/slide4.xml><?xml version="1.0" encoding="utf-8"?>
+<file path=ppt/slides/slide5.xml><?xml version="1.0" encoding="utf-8"?>
 <p:sld xmlns:a="http://schemas.openxmlformats.org/drawingml/2006/main" xmlns:r="http://schemas.openxmlformats.org/officeDocument/2006/relationships" xmlns:p="http://schemas.openxmlformats.org/presentationml/2006/main">
   <p:cSld>
     <p:spTree>
@@ -10725,7 +12682,7 @@
             <a:fld id="{8C13379D-D487-4446-85FC-E9ED5B8B80F6}" type="slidenum">
               <a:rPr lang="en-US" smtClean="0"/>
               <a:pPr/>
-              <a:t>4</a:t>
+              <a:t>5</a:t>
             </a:fld>
             <a:r>
               <a:rPr lang="en-US"/>
@@ -10857,7 +12814,7 @@
 </p:sld>
 </file>
 
-<file path=ppt/slides/slide5.xml><?xml version="1.0" encoding="utf-8"?>
+<file path=ppt/slides/slide6.xml><?xml version="1.0" encoding="utf-8"?>
 <p:sld xmlns:a="http://schemas.openxmlformats.org/drawingml/2006/main" xmlns:r="http://schemas.openxmlformats.org/officeDocument/2006/relationships" xmlns:p="http://schemas.openxmlformats.org/presentationml/2006/main">
   <p:cSld>
     <p:spTree>
@@ -11020,7 +12977,7 @@
             <a:fld id="{8C13379D-D487-4446-85FC-E9ED5B8B80F6}" type="slidenum">
               <a:rPr lang="en-US" smtClean="0"/>
               <a:pPr/>
-              <a:t>5</a:t>
+              <a:t>6</a:t>
             </a:fld>
             <a:r>
               <a:rPr lang="en-US"/>
@@ -11152,7 +13109,7 @@
 </p:sld>
 </file>
 
-<file path=ppt/slides/slide6.xml><?xml version="1.0" encoding="utf-8"?>
+<file path=ppt/slides/slide7.xml><?xml version="1.0" encoding="utf-8"?>
 <p:sld xmlns:a="http://schemas.openxmlformats.org/drawingml/2006/main" xmlns:r="http://schemas.openxmlformats.org/officeDocument/2006/relationships" xmlns:p="http://schemas.openxmlformats.org/presentationml/2006/main">
   <p:cSld>
     <p:spTree>
@@ -11315,7 +13272,7 @@
             <a:fld id="{8C13379D-D487-4446-85FC-E9ED5B8B80F6}" type="slidenum">
               <a:rPr lang="en-US" smtClean="0"/>
               <a:pPr/>
-              <a:t>6</a:t>
+              <a:t>7</a:t>
             </a:fld>
             <a:r>
               <a:rPr lang="en-US"/>
@@ -11447,7 +13404,7 @@
 </p:sld>
 </file>
 
-<file path=ppt/slides/slide7.xml><?xml version="1.0" encoding="utf-8"?>
+<file path=ppt/slides/slide8.xml><?xml version="1.0" encoding="utf-8"?>
 <p:sld xmlns:a="http://schemas.openxmlformats.org/drawingml/2006/main" xmlns:r="http://schemas.openxmlformats.org/officeDocument/2006/relationships" xmlns:p="http://schemas.openxmlformats.org/presentationml/2006/main">
   <p:cSld>
     <p:spTree>
@@ -11751,7 +13708,7 @@
             <a:fld id="{8C13379D-D487-4446-85FC-E9ED5B8B80F6}" type="slidenum">
               <a:rPr lang="en-US" smtClean="0"/>
               <a:pPr/>
-              <a:t>7</a:t>
+              <a:t>8</a:t>
             </a:fld>
             <a:r>
               <a:rPr lang="en-US"/>
@@ -11807,7 +13764,7 @@
 </p:sld>
 </file>
 
-<file path=ppt/slides/slide8.xml><?xml version="1.0" encoding="utf-8"?>
+<file path=ppt/slides/slide9.xml><?xml version="1.0" encoding="utf-8"?>
 <p:sld xmlns:a="http://schemas.openxmlformats.org/drawingml/2006/main" xmlns:r="http://schemas.openxmlformats.org/officeDocument/2006/relationships" xmlns:p="http://schemas.openxmlformats.org/presentationml/2006/main">
   <p:cSld>
     <p:spTree>
@@ -11955,7 +13912,7 @@
             <a:fld id="{8C13379D-D487-4446-85FC-E9ED5B8B80F6}" type="slidenum">
               <a:rPr lang="en-US" smtClean="0"/>
               <a:pPr/>
-              <a:t>8</a:t>
+              <a:t>9</a:t>
             </a:fld>
             <a:r>
               <a:rPr lang="en-US"/>
@@ -12144,286 +14101,6 @@
     <p:extLst>
       <p:ext uri="{BB962C8B-B14F-4D97-AF65-F5344CB8AC3E}">
         <p14:creationId xmlns:p14="http://schemas.microsoft.com/office/powerpoint/2010/main" val="2963724285"/>
-      </p:ext>
-    </p:extLst>
-  </p:cSld>
-  <p:clrMapOvr>
-    <a:masterClrMapping/>
-  </p:clrMapOvr>
-</p:sld>
-</file>
-
-<file path=ppt/slides/slide9.xml><?xml version="1.0" encoding="utf-8"?>
-<p:sld xmlns:a="http://schemas.openxmlformats.org/drawingml/2006/main" xmlns:r="http://schemas.openxmlformats.org/officeDocument/2006/relationships" xmlns:p="http://schemas.openxmlformats.org/presentationml/2006/main">
-  <p:cSld>
-    <p:spTree>
-      <p:nvGrpSpPr>
-        <p:cNvPr id="1" name=""/>
-        <p:cNvGrpSpPr/>
-        <p:nvPr/>
-      </p:nvGrpSpPr>
-      <p:grpSpPr>
-        <a:xfrm>
-          <a:off x="0" y="0"/>
-          <a:ext cx="0" cy="0"/>
-          <a:chOff x="0" y="0"/>
-          <a:chExt cx="0" cy="0"/>
-        </a:xfrm>
-      </p:grpSpPr>
-      <p:sp>
-        <p:nvSpPr>
-          <p:cNvPr id="2" name="Tiêu đề 1">
-            <a:extLst>
-              <a:ext uri="{FF2B5EF4-FFF2-40B4-BE49-F238E27FC236}">
-                <a16:creationId xmlns:a16="http://schemas.microsoft.com/office/drawing/2014/main" id="{884E1D52-726C-4C80-84A8-E42D38D2F604}"/>
-              </a:ext>
-            </a:extLst>
-          </p:cNvPr>
-          <p:cNvSpPr>
-            <a:spLocks noGrp="1"/>
-          </p:cNvSpPr>
-          <p:nvPr>
-            <p:ph type="title"/>
-          </p:nvPr>
-        </p:nvSpPr>
-        <p:spPr/>
-        <p:txBody>
-          <a:bodyPr/>
-          <a:lstStyle/>
-          <a:p>
-            <a:r>
-              <a:rPr lang="vi-VN" dirty="0"/>
-              <a:t>Cơ </a:t>
-            </a:r>
-            <a:r>
-              <a:rPr lang="vi-VN" dirty="0" err="1"/>
-              <a:t>sở</a:t>
-            </a:r>
-            <a:r>
-              <a:rPr lang="vi-VN" dirty="0"/>
-              <a:t> </a:t>
-            </a:r>
-            <a:r>
-              <a:rPr lang="vi-VN" dirty="0" err="1"/>
-              <a:t>dữ</a:t>
-            </a:r>
-            <a:r>
-              <a:rPr lang="vi-VN" dirty="0"/>
-              <a:t> </a:t>
-            </a:r>
-            <a:r>
-              <a:rPr lang="vi-VN" dirty="0" err="1"/>
-              <a:t>liệu</a:t>
-            </a:r>
-            <a:endParaRPr lang="vi-VN" dirty="0"/>
-          </a:p>
-        </p:txBody>
-      </p:sp>
-      <p:sp>
-        <p:nvSpPr>
-          <p:cNvPr id="4" name="Chỗ dành sẵn cho Ngày tháng 3">
-            <a:extLst>
-              <a:ext uri="{FF2B5EF4-FFF2-40B4-BE49-F238E27FC236}">
-                <a16:creationId xmlns:a16="http://schemas.microsoft.com/office/drawing/2014/main" id="{8D7414FC-470A-4ADC-9C2F-C5BD96AC16B9}"/>
-              </a:ext>
-            </a:extLst>
-          </p:cNvPr>
-          <p:cNvSpPr>
-            <a:spLocks noGrp="1"/>
-          </p:cNvSpPr>
-          <p:nvPr>
-            <p:ph type="dt" sz="half" idx="10"/>
-          </p:nvPr>
-        </p:nvSpPr>
-        <p:spPr/>
-        <p:txBody>
-          <a:bodyPr/>
-          <a:lstStyle/>
-          <a:p>
-            <a:r>
-              <a:rPr lang="en-US"/>
-              <a:t>© SoICT 2020</a:t>
-            </a:r>
-            <a:endParaRPr lang="en-US" dirty="0"/>
-          </a:p>
-        </p:txBody>
-      </p:sp>
-      <p:sp>
-        <p:nvSpPr>
-          <p:cNvPr id="5" name="Chỗ dành sẵn cho Chân trang 4">
-            <a:extLst>
-              <a:ext uri="{FF2B5EF4-FFF2-40B4-BE49-F238E27FC236}">
-                <a16:creationId xmlns:a16="http://schemas.microsoft.com/office/drawing/2014/main" id="{E07FCEAD-0500-4F1F-B35B-29A07AF2E920}"/>
-              </a:ext>
-            </a:extLst>
-          </p:cNvPr>
-          <p:cNvSpPr>
-            <a:spLocks noGrp="1"/>
-          </p:cNvSpPr>
-          <p:nvPr>
-            <p:ph type="ftr" sz="quarter" idx="11"/>
-          </p:nvPr>
-        </p:nvSpPr>
-        <p:spPr/>
-        <p:txBody>
-          <a:bodyPr/>
-          <a:lstStyle/>
-          <a:p>
-            <a:r>
-              <a:rPr lang="en-US"/>
-              <a:t>IT3670Q – Nhập môn Java</a:t>
-            </a:r>
-            <a:endParaRPr lang="en-US" dirty="0"/>
-          </a:p>
-        </p:txBody>
-      </p:sp>
-      <p:sp>
-        <p:nvSpPr>
-          <p:cNvPr id="6" name="Chỗ dành sẵn cho Số hiệu Bản chiếu 5">
-            <a:extLst>
-              <a:ext uri="{FF2B5EF4-FFF2-40B4-BE49-F238E27FC236}">
-                <a16:creationId xmlns:a16="http://schemas.microsoft.com/office/drawing/2014/main" id="{5B53D36B-80C8-494A-BA26-0AA65ACC4BE4}"/>
-              </a:ext>
-            </a:extLst>
-          </p:cNvPr>
-          <p:cNvSpPr>
-            <a:spLocks noGrp="1"/>
-          </p:cNvSpPr>
-          <p:nvPr>
-            <p:ph type="sldNum" sz="quarter" idx="12"/>
-          </p:nvPr>
-        </p:nvSpPr>
-        <p:spPr/>
-        <p:txBody>
-          <a:bodyPr/>
-          <a:lstStyle/>
-          <a:p>
-            <a:fld id="{8C13379D-D487-4446-85FC-E9ED5B8B80F6}" type="slidenum">
-              <a:rPr lang="en-US" smtClean="0"/>
-              <a:pPr/>
-              <a:t>9</a:t>
-            </a:fld>
-            <a:r>
-              <a:rPr lang="en-US"/>
-              <a:t> </a:t>
-            </a:r>
-          </a:p>
-        </p:txBody>
-      </p:sp>
-      <p:pic>
-        <p:nvPicPr>
-          <p:cNvPr id="8" name="Hình ảnh 7">
-            <a:extLst>
-              <a:ext uri="{FF2B5EF4-FFF2-40B4-BE49-F238E27FC236}">
-                <a16:creationId xmlns:a16="http://schemas.microsoft.com/office/drawing/2014/main" id="{4EEF1B61-7917-49B9-8839-C6551346D661}"/>
-              </a:ext>
-            </a:extLst>
-          </p:cNvPr>
-          <p:cNvPicPr>
-            <a:picLocks noChangeAspect="1"/>
-          </p:cNvPicPr>
-          <p:nvPr/>
-        </p:nvPicPr>
-        <p:blipFill>
-          <a:blip r:embed="rId3"/>
-          <a:stretch>
-            <a:fillRect/>
-          </a:stretch>
-        </p:blipFill>
-        <p:spPr>
-          <a:xfrm>
-            <a:off x="49919" y="1676702"/>
-            <a:ext cx="9050013" cy="3534268"/>
-          </a:xfrm>
-          <a:prstGeom prst="rect">
-            <a:avLst/>
-          </a:prstGeom>
-          <a:ln>
-            <a:solidFill>
-              <a:schemeClr val="tx1"/>
-            </a:solidFill>
-          </a:ln>
-        </p:spPr>
-      </p:pic>
-      <p:sp>
-        <p:nvSpPr>
-          <p:cNvPr id="9" name="Chỗ dành sẵn cho Nội dung 2">
-            <a:extLst>
-              <a:ext uri="{FF2B5EF4-FFF2-40B4-BE49-F238E27FC236}">
-                <a16:creationId xmlns:a16="http://schemas.microsoft.com/office/drawing/2014/main" id="{D9493352-25EB-4E81-AEA1-925A6C028E55}"/>
-              </a:ext>
-            </a:extLst>
-          </p:cNvPr>
-          <p:cNvSpPr>
-            <a:spLocks noGrp="1"/>
-          </p:cNvSpPr>
-          <p:nvPr>
-            <p:ph idx="1"/>
-          </p:nvPr>
-        </p:nvSpPr>
-        <p:spPr>
-          <a:xfrm>
-            <a:off x="49213" y="5394325"/>
-            <a:ext cx="9050337" cy="731838"/>
-          </a:xfrm>
-        </p:spPr>
-        <p:txBody>
-          <a:bodyPr>
-            <a:normAutofit/>
-          </a:bodyPr>
-          <a:lstStyle/>
-          <a:p>
-            <a:pPr marL="0" indent="0" algn="ctr">
-              <a:buNone/>
-            </a:pPr>
-            <a:r>
-              <a:rPr lang="vi-VN" sz="2000" i="1" dirty="0" err="1">
-                <a:solidFill>
-                  <a:schemeClr val="tx1">
-                    <a:lumMod val="75000"/>
-                    <a:lumOff val="25000"/>
-                  </a:schemeClr>
-                </a:solidFill>
-              </a:rPr>
-              <a:t>Dữ</a:t>
-            </a:r>
-            <a:r>
-              <a:rPr lang="vi-VN" sz="2000" i="1" dirty="0">
-                <a:solidFill>
-                  <a:schemeClr val="tx1">
-                    <a:lumMod val="75000"/>
-                    <a:lumOff val="25000"/>
-                  </a:schemeClr>
-                </a:solidFill>
-              </a:rPr>
-              <a:t> </a:t>
-            </a:r>
-            <a:r>
-              <a:rPr lang="vi-VN" sz="2000" i="1" dirty="0" err="1">
-                <a:solidFill>
-                  <a:schemeClr val="tx1">
-                    <a:lumMod val="75000"/>
-                    <a:lumOff val="25000"/>
-                  </a:schemeClr>
-                </a:solidFill>
-              </a:rPr>
-              <a:t>liệu</a:t>
-            </a:r>
-            <a:endParaRPr lang="vi-VN" sz="2000" i="1" dirty="0">
-              <a:solidFill>
-                <a:schemeClr val="tx1">
-                  <a:lumMod val="75000"/>
-                  <a:lumOff val="25000"/>
-                </a:schemeClr>
-              </a:solidFill>
-            </a:endParaRPr>
-          </a:p>
-        </p:txBody>
-      </p:sp>
-    </p:spTree>
-    <p:extLst>
-      <p:ext uri="{BB962C8B-B14F-4D97-AF65-F5344CB8AC3E}">
-        <p14:creationId xmlns:p14="http://schemas.microsoft.com/office/powerpoint/2010/main" val="237487770"/>
       </p:ext>
     </p:extLst>
   </p:cSld>
